--- a/Script/_LectureData/chapter9.pptx
+++ b/Script/_LectureData/chapter9.pptx
@@ -5,10 +5,10 @@
     <p:sldMasterId id="2147483648" r:id="rId1"/>
   </p:sldMasterIdLst>
   <p:notesMasterIdLst>
-    <p:notesMasterId r:id="rId23"/>
+    <p:notesMasterId r:id="rId25"/>
   </p:notesMasterIdLst>
   <p:handoutMasterIdLst>
-    <p:handoutMasterId r:id="rId24"/>
+    <p:handoutMasterId r:id="rId26"/>
   </p:handoutMasterIdLst>
   <p:sldIdLst>
     <p:sldId id="256" r:id="rId2"/>
@@ -24,14 +24,16 @@
     <p:sldId id="602" r:id="rId12"/>
     <p:sldId id="603" r:id="rId13"/>
     <p:sldId id="604" r:id="rId14"/>
-    <p:sldId id="612" r:id="rId15"/>
-    <p:sldId id="605" r:id="rId16"/>
-    <p:sldId id="606" r:id="rId17"/>
-    <p:sldId id="607" r:id="rId18"/>
-    <p:sldId id="608" r:id="rId19"/>
-    <p:sldId id="609" r:id="rId20"/>
-    <p:sldId id="611" r:id="rId21"/>
-    <p:sldId id="613" r:id="rId22"/>
+    <p:sldId id="617" r:id="rId15"/>
+    <p:sldId id="618" r:id="rId16"/>
+    <p:sldId id="612" r:id="rId17"/>
+    <p:sldId id="605" r:id="rId18"/>
+    <p:sldId id="606" r:id="rId19"/>
+    <p:sldId id="607" r:id="rId20"/>
+    <p:sldId id="608" r:id="rId21"/>
+    <p:sldId id="609" r:id="rId22"/>
+    <p:sldId id="611" r:id="rId23"/>
+    <p:sldId id="613" r:id="rId24"/>
   </p:sldIdLst>
   <p:sldSz cx="9144000" cy="6858000" type="screen4x3"/>
   <p:notesSz cx="6735763" cy="9799638"/>
@@ -2437,7 +2439,7 @@
     </p:spTree>
     <p:extLst>
       <p:ext uri="{BB962C8B-B14F-4D97-AF65-F5344CB8AC3E}">
-        <p14:creationId xmlns:p14="http://schemas.microsoft.com/office/powerpoint/2010/main" val="3767078106"/>
+        <p14:creationId xmlns:p14="http://schemas.microsoft.com/office/powerpoint/2010/main" val="2219980446"/>
       </p:ext>
     </p:extLst>
   </p:cSld>
@@ -2699,7 +2701,7 @@
     </p:spTree>
     <p:extLst>
       <p:ext uri="{BB962C8B-B14F-4D97-AF65-F5344CB8AC3E}">
-        <p14:creationId xmlns:p14="http://schemas.microsoft.com/office/powerpoint/2010/main" val="2275971721"/>
+        <p14:creationId xmlns:p14="http://schemas.microsoft.com/office/powerpoint/2010/main" val="2381057048"/>
       </p:ext>
     </p:extLst>
   </p:cSld>
@@ -2961,7 +2963,7 @@
     </p:spTree>
     <p:extLst>
       <p:ext uri="{BB962C8B-B14F-4D97-AF65-F5344CB8AC3E}">
-        <p14:creationId xmlns:p14="http://schemas.microsoft.com/office/powerpoint/2010/main" val="3325851007"/>
+        <p14:creationId xmlns:p14="http://schemas.microsoft.com/office/powerpoint/2010/main" val="3767078106"/>
       </p:ext>
     </p:extLst>
   </p:cSld>
@@ -3223,7 +3225,7 @@
     </p:spTree>
     <p:extLst>
       <p:ext uri="{BB962C8B-B14F-4D97-AF65-F5344CB8AC3E}">
-        <p14:creationId xmlns:p14="http://schemas.microsoft.com/office/powerpoint/2010/main" val="432159604"/>
+        <p14:creationId xmlns:p14="http://schemas.microsoft.com/office/powerpoint/2010/main" val="2275971721"/>
       </p:ext>
     </p:extLst>
   </p:cSld>
@@ -3485,7 +3487,7 @@
     </p:spTree>
     <p:extLst>
       <p:ext uri="{BB962C8B-B14F-4D97-AF65-F5344CB8AC3E}">
-        <p14:creationId xmlns:p14="http://schemas.microsoft.com/office/powerpoint/2010/main" val="2734291411"/>
+        <p14:creationId xmlns:p14="http://schemas.microsoft.com/office/powerpoint/2010/main" val="3325851007"/>
       </p:ext>
     </p:extLst>
   </p:cSld>
@@ -3747,7 +3749,7 @@
     </p:spTree>
     <p:extLst>
       <p:ext uri="{BB962C8B-B14F-4D97-AF65-F5344CB8AC3E}">
-        <p14:creationId xmlns:p14="http://schemas.microsoft.com/office/powerpoint/2010/main" val="1932486124"/>
+        <p14:creationId xmlns:p14="http://schemas.microsoft.com/office/powerpoint/2010/main" val="432159604"/>
       </p:ext>
     </p:extLst>
   </p:cSld>
@@ -4266,7 +4268,7 @@
     </p:spTree>
     <p:extLst>
       <p:ext uri="{BB962C8B-B14F-4D97-AF65-F5344CB8AC3E}">
-        <p14:creationId xmlns:p14="http://schemas.microsoft.com/office/powerpoint/2010/main" val="654841531"/>
+        <p14:creationId xmlns:p14="http://schemas.microsoft.com/office/powerpoint/2010/main" val="2734291411"/>
       </p:ext>
     </p:extLst>
   </p:cSld>
@@ -4464,6 +4466,530 @@
                 </a:spcBef>
               </a:pPr>
               <a:t>21</a:t>
+            </a:fld>
+            <a:endParaRPr lang="en-US" altLang="ko-KR" sz="1000"/>
+          </a:p>
+        </p:txBody>
+      </p:sp>
+      <p:sp>
+        <p:nvSpPr>
+          <p:cNvPr id="26627" name="Rectangle 2"/>
+          <p:cNvSpPr>
+            <a:spLocks noGrp="1" noRot="1" noChangeAspect="1" noChangeArrowheads="1" noTextEdit="1"/>
+          </p:cNvSpPr>
+          <p:nvPr>
+            <p:ph type="sldImg"/>
+          </p:nvPr>
+        </p:nvSpPr>
+        <p:spPr>
+          <a:ln/>
+        </p:spPr>
+      </p:sp>
+      <p:sp>
+        <p:nvSpPr>
+          <p:cNvPr id="26628" name="Rectangle 3"/>
+          <p:cNvSpPr>
+            <a:spLocks noGrp="1" noChangeArrowheads="1"/>
+          </p:cNvSpPr>
+          <p:nvPr>
+            <p:ph type="body" idx="1"/>
+          </p:nvPr>
+        </p:nvSpPr>
+        <p:spPr>
+          <a:noFill/>
+          <a:ln/>
+          <a:extLst>
+            <a:ext uri="{909E8E84-426E-40DD-AFC4-6F175D3DCCD1}">
+              <a14:hiddenFill xmlns:a14="http://schemas.microsoft.com/office/drawing/2010/main">
+                <a:solidFill>
+                  <a:srgbClr val="FFFFFF"/>
+                </a:solidFill>
+              </a14:hiddenFill>
+            </a:ext>
+            <a:ext uri="{91240B29-F687-4F45-9708-019B960494DF}">
+              <a14:hiddenLine xmlns:a14="http://schemas.microsoft.com/office/drawing/2010/main" w="9525">
+                <a:solidFill>
+                  <a:srgbClr val="000000"/>
+                </a:solidFill>
+                <a:miter lim="800000"/>
+                <a:headEnd/>
+                <a:tailEnd/>
+              </a14:hiddenLine>
+            </a:ext>
+          </a:extLst>
+        </p:spPr>
+        <p:txBody>
+          <a:bodyPr/>
+          <a:lstStyle/>
+          <a:p>
+            <a:pPr eaLnBrk="1" hangingPunct="1"/>
+            <a:endParaRPr lang="en-US" altLang="ko-KR"/>
+          </a:p>
+        </p:txBody>
+      </p:sp>
+    </p:spTree>
+    <p:extLst>
+      <p:ext uri="{BB962C8B-B14F-4D97-AF65-F5344CB8AC3E}">
+        <p14:creationId xmlns:p14="http://schemas.microsoft.com/office/powerpoint/2010/main" val="1932486124"/>
+      </p:ext>
+    </p:extLst>
+  </p:cSld>
+  <p:clrMapOvr>
+    <a:masterClrMapping/>
+  </p:clrMapOvr>
+</p:notes>
+</file>
+
+<file path=ppt/notesSlides/notesSlide22.xml><?xml version="1.0" encoding="utf-8"?>
+<p:notes xmlns:a="http://schemas.openxmlformats.org/drawingml/2006/main" xmlns:r="http://schemas.openxmlformats.org/officeDocument/2006/relationships" xmlns:p="http://schemas.openxmlformats.org/presentationml/2006/main">
+  <p:cSld>
+    <p:spTree>
+      <p:nvGrpSpPr>
+        <p:cNvPr id="1" name=""/>
+        <p:cNvGrpSpPr/>
+        <p:nvPr/>
+      </p:nvGrpSpPr>
+      <p:grpSpPr>
+        <a:xfrm>
+          <a:off x="0" y="0"/>
+          <a:ext cx="0" cy="0"/>
+          <a:chOff x="0" y="0"/>
+          <a:chExt cx="0" cy="0"/>
+        </a:xfrm>
+      </p:grpSpPr>
+      <p:sp>
+        <p:nvSpPr>
+          <p:cNvPr id="26626" name="Rectangle 7"/>
+          <p:cNvSpPr>
+            <a:spLocks noGrp="1" noChangeArrowheads="1"/>
+          </p:cNvSpPr>
+          <p:nvPr>
+            <p:ph type="sldNum" sz="quarter" idx="5"/>
+          </p:nvPr>
+        </p:nvSpPr>
+        <p:spPr>
+          <a:noFill/>
+          <a:ln/>
+          <a:extLst>
+            <a:ext uri="{909E8E84-426E-40DD-AFC4-6F175D3DCCD1}">
+              <a14:hiddenFill xmlns:a14="http://schemas.microsoft.com/office/drawing/2010/main">
+                <a:solidFill>
+                  <a:srgbClr val="FFFFFF"/>
+                </a:solidFill>
+              </a14:hiddenFill>
+            </a:ext>
+            <a:ext uri="{91240B29-F687-4F45-9708-019B960494DF}">
+              <a14:hiddenLine xmlns:a14="http://schemas.microsoft.com/office/drawing/2010/main" w="9525">
+                <a:solidFill>
+                  <a:srgbClr val="000000"/>
+                </a:solidFill>
+                <a:miter lim="800000"/>
+                <a:headEnd/>
+                <a:tailEnd/>
+              </a14:hiddenLine>
+            </a:ext>
+          </a:extLst>
+        </p:spPr>
+        <p:txBody>
+          <a:bodyPr/>
+          <a:lstStyle>
+            <a:lvl1pPr latinLnBrk="1">
+              <a:spcBef>
+                <a:spcPct val="30000"/>
+              </a:spcBef>
+              <a:defRPr kumimoji="1" sz="1200">
+                <a:solidFill>
+                  <a:schemeClr val="tx1"/>
+                </a:solidFill>
+                <a:latin typeface="Times New Roman" panose="02020603050405020304" pitchFamily="18" charset="0"/>
+                <a:ea typeface="굴림" panose="020B0600000101010101" pitchFamily="50" charset="-127"/>
+              </a:defRPr>
+            </a:lvl1pPr>
+            <a:lvl2pPr marL="742950" indent="-285750" latinLnBrk="1">
+              <a:spcBef>
+                <a:spcPct val="30000"/>
+              </a:spcBef>
+              <a:defRPr kumimoji="1" sz="1200">
+                <a:solidFill>
+                  <a:schemeClr val="tx1"/>
+                </a:solidFill>
+                <a:latin typeface="Times New Roman" panose="02020603050405020304" pitchFamily="18" charset="0"/>
+                <a:ea typeface="굴림" panose="020B0600000101010101" pitchFamily="50" charset="-127"/>
+              </a:defRPr>
+            </a:lvl2pPr>
+            <a:lvl3pPr marL="1143000" indent="-228600" latinLnBrk="1">
+              <a:spcBef>
+                <a:spcPct val="30000"/>
+              </a:spcBef>
+              <a:defRPr kumimoji="1" sz="1200">
+                <a:solidFill>
+                  <a:schemeClr val="tx1"/>
+                </a:solidFill>
+                <a:latin typeface="Times New Roman" panose="02020603050405020304" pitchFamily="18" charset="0"/>
+                <a:ea typeface="굴림" panose="020B0600000101010101" pitchFamily="50" charset="-127"/>
+              </a:defRPr>
+            </a:lvl3pPr>
+            <a:lvl4pPr marL="1600200" indent="-228600" latinLnBrk="1">
+              <a:spcBef>
+                <a:spcPct val="30000"/>
+              </a:spcBef>
+              <a:defRPr kumimoji="1" sz="1200">
+                <a:solidFill>
+                  <a:schemeClr val="tx1"/>
+                </a:solidFill>
+                <a:latin typeface="Times New Roman" panose="02020603050405020304" pitchFamily="18" charset="0"/>
+                <a:ea typeface="굴림" panose="020B0600000101010101" pitchFamily="50" charset="-127"/>
+              </a:defRPr>
+            </a:lvl4pPr>
+            <a:lvl5pPr marL="2057400" indent="-228600" latinLnBrk="1">
+              <a:spcBef>
+                <a:spcPct val="30000"/>
+              </a:spcBef>
+              <a:defRPr kumimoji="1" sz="1200">
+                <a:solidFill>
+                  <a:schemeClr val="tx1"/>
+                </a:solidFill>
+                <a:latin typeface="Times New Roman" panose="02020603050405020304" pitchFamily="18" charset="0"/>
+                <a:ea typeface="굴림" panose="020B0600000101010101" pitchFamily="50" charset="-127"/>
+              </a:defRPr>
+            </a:lvl5pPr>
+            <a:lvl6pPr marL="2514600" indent="-228600" eaLnBrk="0" fontAlgn="base" hangingPunct="0">
+              <a:spcBef>
+                <a:spcPct val="30000"/>
+              </a:spcBef>
+              <a:spcAft>
+                <a:spcPct val="0"/>
+              </a:spcAft>
+              <a:defRPr kumimoji="1" sz="1200">
+                <a:solidFill>
+                  <a:schemeClr val="tx1"/>
+                </a:solidFill>
+                <a:latin typeface="Times New Roman" panose="02020603050405020304" pitchFamily="18" charset="0"/>
+                <a:ea typeface="굴림" panose="020B0600000101010101" pitchFamily="50" charset="-127"/>
+              </a:defRPr>
+            </a:lvl6pPr>
+            <a:lvl7pPr marL="2971800" indent="-228600" eaLnBrk="0" fontAlgn="base" hangingPunct="0">
+              <a:spcBef>
+                <a:spcPct val="30000"/>
+              </a:spcBef>
+              <a:spcAft>
+                <a:spcPct val="0"/>
+              </a:spcAft>
+              <a:defRPr kumimoji="1" sz="1200">
+                <a:solidFill>
+                  <a:schemeClr val="tx1"/>
+                </a:solidFill>
+                <a:latin typeface="Times New Roman" panose="02020603050405020304" pitchFamily="18" charset="0"/>
+                <a:ea typeface="굴림" panose="020B0600000101010101" pitchFamily="50" charset="-127"/>
+              </a:defRPr>
+            </a:lvl7pPr>
+            <a:lvl8pPr marL="3429000" indent="-228600" eaLnBrk="0" fontAlgn="base" hangingPunct="0">
+              <a:spcBef>
+                <a:spcPct val="30000"/>
+              </a:spcBef>
+              <a:spcAft>
+                <a:spcPct val="0"/>
+              </a:spcAft>
+              <a:defRPr kumimoji="1" sz="1200">
+                <a:solidFill>
+                  <a:schemeClr val="tx1"/>
+                </a:solidFill>
+                <a:latin typeface="Times New Roman" panose="02020603050405020304" pitchFamily="18" charset="0"/>
+                <a:ea typeface="굴림" panose="020B0600000101010101" pitchFamily="50" charset="-127"/>
+              </a:defRPr>
+            </a:lvl8pPr>
+            <a:lvl9pPr marL="3886200" indent="-228600" eaLnBrk="0" fontAlgn="base" hangingPunct="0">
+              <a:spcBef>
+                <a:spcPct val="30000"/>
+              </a:spcBef>
+              <a:spcAft>
+                <a:spcPct val="0"/>
+              </a:spcAft>
+              <a:defRPr kumimoji="1" sz="1200">
+                <a:solidFill>
+                  <a:schemeClr val="tx1"/>
+                </a:solidFill>
+                <a:latin typeface="Times New Roman" panose="02020603050405020304" pitchFamily="18" charset="0"/>
+                <a:ea typeface="굴림" panose="020B0600000101010101" pitchFamily="50" charset="-127"/>
+              </a:defRPr>
+            </a:lvl9pPr>
+          </a:lstStyle>
+          <a:p>
+            <a:pPr defTabSz="914400">
+              <a:spcBef>
+                <a:spcPct val="0"/>
+              </a:spcBef>
+            </a:pPr>
+            <a:fld id="{663669A7-A76E-42AE-B11B-9C41C08DBF04}" type="slidenum">
+              <a:rPr lang="en-US" altLang="ko-KR" sz="1000"/>
+              <a:pPr defTabSz="914400">
+                <a:spcBef>
+                  <a:spcPct val="0"/>
+                </a:spcBef>
+              </a:pPr>
+              <a:t>22</a:t>
+            </a:fld>
+            <a:endParaRPr lang="en-US" altLang="ko-KR" sz="1000"/>
+          </a:p>
+        </p:txBody>
+      </p:sp>
+      <p:sp>
+        <p:nvSpPr>
+          <p:cNvPr id="26627" name="Rectangle 2"/>
+          <p:cNvSpPr>
+            <a:spLocks noGrp="1" noRot="1" noChangeAspect="1" noChangeArrowheads="1" noTextEdit="1"/>
+          </p:cNvSpPr>
+          <p:nvPr>
+            <p:ph type="sldImg"/>
+          </p:nvPr>
+        </p:nvSpPr>
+        <p:spPr>
+          <a:ln/>
+        </p:spPr>
+      </p:sp>
+      <p:sp>
+        <p:nvSpPr>
+          <p:cNvPr id="26628" name="Rectangle 3"/>
+          <p:cNvSpPr>
+            <a:spLocks noGrp="1" noChangeArrowheads="1"/>
+          </p:cNvSpPr>
+          <p:nvPr>
+            <p:ph type="body" idx="1"/>
+          </p:nvPr>
+        </p:nvSpPr>
+        <p:spPr>
+          <a:noFill/>
+          <a:ln/>
+          <a:extLst>
+            <a:ext uri="{909E8E84-426E-40DD-AFC4-6F175D3DCCD1}">
+              <a14:hiddenFill xmlns:a14="http://schemas.microsoft.com/office/drawing/2010/main">
+                <a:solidFill>
+                  <a:srgbClr val="FFFFFF"/>
+                </a:solidFill>
+              </a14:hiddenFill>
+            </a:ext>
+            <a:ext uri="{91240B29-F687-4F45-9708-019B960494DF}">
+              <a14:hiddenLine xmlns:a14="http://schemas.microsoft.com/office/drawing/2010/main" w="9525">
+                <a:solidFill>
+                  <a:srgbClr val="000000"/>
+                </a:solidFill>
+                <a:miter lim="800000"/>
+                <a:headEnd/>
+                <a:tailEnd/>
+              </a14:hiddenLine>
+            </a:ext>
+          </a:extLst>
+        </p:spPr>
+        <p:txBody>
+          <a:bodyPr/>
+          <a:lstStyle/>
+          <a:p>
+            <a:pPr eaLnBrk="1" hangingPunct="1"/>
+            <a:endParaRPr lang="en-US" altLang="ko-KR"/>
+          </a:p>
+        </p:txBody>
+      </p:sp>
+    </p:spTree>
+    <p:extLst>
+      <p:ext uri="{BB962C8B-B14F-4D97-AF65-F5344CB8AC3E}">
+        <p14:creationId xmlns:p14="http://schemas.microsoft.com/office/powerpoint/2010/main" val="654841531"/>
+      </p:ext>
+    </p:extLst>
+  </p:cSld>
+  <p:clrMapOvr>
+    <a:masterClrMapping/>
+  </p:clrMapOvr>
+</p:notes>
+</file>
+
+<file path=ppt/notesSlides/notesSlide23.xml><?xml version="1.0" encoding="utf-8"?>
+<p:notes xmlns:a="http://schemas.openxmlformats.org/drawingml/2006/main" xmlns:r="http://schemas.openxmlformats.org/officeDocument/2006/relationships" xmlns:p="http://schemas.openxmlformats.org/presentationml/2006/main">
+  <p:cSld>
+    <p:spTree>
+      <p:nvGrpSpPr>
+        <p:cNvPr id="1" name=""/>
+        <p:cNvGrpSpPr/>
+        <p:nvPr/>
+      </p:nvGrpSpPr>
+      <p:grpSpPr>
+        <a:xfrm>
+          <a:off x="0" y="0"/>
+          <a:ext cx="0" cy="0"/>
+          <a:chOff x="0" y="0"/>
+          <a:chExt cx="0" cy="0"/>
+        </a:xfrm>
+      </p:grpSpPr>
+      <p:sp>
+        <p:nvSpPr>
+          <p:cNvPr id="26626" name="Rectangle 7"/>
+          <p:cNvSpPr>
+            <a:spLocks noGrp="1" noChangeArrowheads="1"/>
+          </p:cNvSpPr>
+          <p:nvPr>
+            <p:ph type="sldNum" sz="quarter" idx="5"/>
+          </p:nvPr>
+        </p:nvSpPr>
+        <p:spPr>
+          <a:noFill/>
+          <a:ln/>
+          <a:extLst>
+            <a:ext uri="{909E8E84-426E-40DD-AFC4-6F175D3DCCD1}">
+              <a14:hiddenFill xmlns:a14="http://schemas.microsoft.com/office/drawing/2010/main">
+                <a:solidFill>
+                  <a:srgbClr val="FFFFFF"/>
+                </a:solidFill>
+              </a14:hiddenFill>
+            </a:ext>
+            <a:ext uri="{91240B29-F687-4F45-9708-019B960494DF}">
+              <a14:hiddenLine xmlns:a14="http://schemas.microsoft.com/office/drawing/2010/main" w="9525">
+                <a:solidFill>
+                  <a:srgbClr val="000000"/>
+                </a:solidFill>
+                <a:miter lim="800000"/>
+                <a:headEnd/>
+                <a:tailEnd/>
+              </a14:hiddenLine>
+            </a:ext>
+          </a:extLst>
+        </p:spPr>
+        <p:txBody>
+          <a:bodyPr/>
+          <a:lstStyle>
+            <a:lvl1pPr latinLnBrk="1">
+              <a:spcBef>
+                <a:spcPct val="30000"/>
+              </a:spcBef>
+              <a:defRPr kumimoji="1" sz="1200">
+                <a:solidFill>
+                  <a:schemeClr val="tx1"/>
+                </a:solidFill>
+                <a:latin typeface="Times New Roman" panose="02020603050405020304" pitchFamily="18" charset="0"/>
+                <a:ea typeface="굴림" panose="020B0600000101010101" pitchFamily="50" charset="-127"/>
+              </a:defRPr>
+            </a:lvl1pPr>
+            <a:lvl2pPr marL="742950" indent="-285750" latinLnBrk="1">
+              <a:spcBef>
+                <a:spcPct val="30000"/>
+              </a:spcBef>
+              <a:defRPr kumimoji="1" sz="1200">
+                <a:solidFill>
+                  <a:schemeClr val="tx1"/>
+                </a:solidFill>
+                <a:latin typeface="Times New Roman" panose="02020603050405020304" pitchFamily="18" charset="0"/>
+                <a:ea typeface="굴림" panose="020B0600000101010101" pitchFamily="50" charset="-127"/>
+              </a:defRPr>
+            </a:lvl2pPr>
+            <a:lvl3pPr marL="1143000" indent="-228600" latinLnBrk="1">
+              <a:spcBef>
+                <a:spcPct val="30000"/>
+              </a:spcBef>
+              <a:defRPr kumimoji="1" sz="1200">
+                <a:solidFill>
+                  <a:schemeClr val="tx1"/>
+                </a:solidFill>
+                <a:latin typeface="Times New Roman" panose="02020603050405020304" pitchFamily="18" charset="0"/>
+                <a:ea typeface="굴림" panose="020B0600000101010101" pitchFamily="50" charset="-127"/>
+              </a:defRPr>
+            </a:lvl3pPr>
+            <a:lvl4pPr marL="1600200" indent="-228600" latinLnBrk="1">
+              <a:spcBef>
+                <a:spcPct val="30000"/>
+              </a:spcBef>
+              <a:defRPr kumimoji="1" sz="1200">
+                <a:solidFill>
+                  <a:schemeClr val="tx1"/>
+                </a:solidFill>
+                <a:latin typeface="Times New Roman" panose="02020603050405020304" pitchFamily="18" charset="0"/>
+                <a:ea typeface="굴림" panose="020B0600000101010101" pitchFamily="50" charset="-127"/>
+              </a:defRPr>
+            </a:lvl4pPr>
+            <a:lvl5pPr marL="2057400" indent="-228600" latinLnBrk="1">
+              <a:spcBef>
+                <a:spcPct val="30000"/>
+              </a:spcBef>
+              <a:defRPr kumimoji="1" sz="1200">
+                <a:solidFill>
+                  <a:schemeClr val="tx1"/>
+                </a:solidFill>
+                <a:latin typeface="Times New Roman" panose="02020603050405020304" pitchFamily="18" charset="0"/>
+                <a:ea typeface="굴림" panose="020B0600000101010101" pitchFamily="50" charset="-127"/>
+              </a:defRPr>
+            </a:lvl5pPr>
+            <a:lvl6pPr marL="2514600" indent="-228600" eaLnBrk="0" fontAlgn="base" hangingPunct="0">
+              <a:spcBef>
+                <a:spcPct val="30000"/>
+              </a:spcBef>
+              <a:spcAft>
+                <a:spcPct val="0"/>
+              </a:spcAft>
+              <a:defRPr kumimoji="1" sz="1200">
+                <a:solidFill>
+                  <a:schemeClr val="tx1"/>
+                </a:solidFill>
+                <a:latin typeface="Times New Roman" panose="02020603050405020304" pitchFamily="18" charset="0"/>
+                <a:ea typeface="굴림" panose="020B0600000101010101" pitchFamily="50" charset="-127"/>
+              </a:defRPr>
+            </a:lvl6pPr>
+            <a:lvl7pPr marL="2971800" indent="-228600" eaLnBrk="0" fontAlgn="base" hangingPunct="0">
+              <a:spcBef>
+                <a:spcPct val="30000"/>
+              </a:spcBef>
+              <a:spcAft>
+                <a:spcPct val="0"/>
+              </a:spcAft>
+              <a:defRPr kumimoji="1" sz="1200">
+                <a:solidFill>
+                  <a:schemeClr val="tx1"/>
+                </a:solidFill>
+                <a:latin typeface="Times New Roman" panose="02020603050405020304" pitchFamily="18" charset="0"/>
+                <a:ea typeface="굴림" panose="020B0600000101010101" pitchFamily="50" charset="-127"/>
+              </a:defRPr>
+            </a:lvl7pPr>
+            <a:lvl8pPr marL="3429000" indent="-228600" eaLnBrk="0" fontAlgn="base" hangingPunct="0">
+              <a:spcBef>
+                <a:spcPct val="30000"/>
+              </a:spcBef>
+              <a:spcAft>
+                <a:spcPct val="0"/>
+              </a:spcAft>
+              <a:defRPr kumimoji="1" sz="1200">
+                <a:solidFill>
+                  <a:schemeClr val="tx1"/>
+                </a:solidFill>
+                <a:latin typeface="Times New Roman" panose="02020603050405020304" pitchFamily="18" charset="0"/>
+                <a:ea typeface="굴림" panose="020B0600000101010101" pitchFamily="50" charset="-127"/>
+              </a:defRPr>
+            </a:lvl8pPr>
+            <a:lvl9pPr marL="3886200" indent="-228600" eaLnBrk="0" fontAlgn="base" hangingPunct="0">
+              <a:spcBef>
+                <a:spcPct val="30000"/>
+              </a:spcBef>
+              <a:spcAft>
+                <a:spcPct val="0"/>
+              </a:spcAft>
+              <a:defRPr kumimoji="1" sz="1200">
+                <a:solidFill>
+                  <a:schemeClr val="tx1"/>
+                </a:solidFill>
+                <a:latin typeface="Times New Roman" panose="02020603050405020304" pitchFamily="18" charset="0"/>
+                <a:ea typeface="굴림" panose="020B0600000101010101" pitchFamily="50" charset="-127"/>
+              </a:defRPr>
+            </a:lvl9pPr>
+          </a:lstStyle>
+          <a:p>
+            <a:pPr defTabSz="914400">
+              <a:spcBef>
+                <a:spcPct val="0"/>
+              </a:spcBef>
+            </a:pPr>
+            <a:fld id="{663669A7-A76E-42AE-B11B-9C41C08DBF04}" type="slidenum">
+              <a:rPr lang="en-US" altLang="ko-KR" sz="1000"/>
+              <a:pPr defTabSz="914400">
+                <a:spcBef>
+                  <a:spcPct val="0"/>
+                </a:spcBef>
+              </a:pPr>
+              <a:t>23</a:t>
             </a:fld>
             <a:endParaRPr lang="en-US" altLang="ko-KR" sz="1000"/>
           </a:p>
@@ -14088,7 +14614,7 @@
                   <a:schemeClr val="accent2"/>
                 </a:solidFill>
               </a:rPr>
-              <a:t>visual studio</a:t>
+              <a:t>visual studio19 </a:t>
             </a:r>
             <a:r>
               <a:rPr lang="ko-KR" altLang="en-US" sz="1800" b="1" dirty="0">
@@ -14096,7 +14622,7 @@
                   <a:schemeClr val="accent2"/>
                 </a:solidFill>
               </a:rPr>
-              <a:t>에서 빌드</a:t>
+              <a:t>이상</a:t>
             </a:r>
             <a:endParaRPr lang="en-US" altLang="ko-KR" sz="1800" b="1" dirty="0">
               <a:solidFill>
@@ -14115,7 +14641,7 @@
                   <a:schemeClr val="accent2"/>
                 </a:solidFill>
               </a:rPr>
-              <a:t>3. </a:t>
+              <a:t>2. </a:t>
             </a:r>
             <a:r>
               <a:rPr lang="ko-KR" altLang="en-US" sz="1800" b="1" dirty="0">
@@ -14123,7 +14649,7 @@
                   <a:schemeClr val="accent2"/>
                 </a:solidFill>
               </a:rPr>
-              <a:t>소스 파일 </a:t>
+              <a:t>응용프로그램 종류 </a:t>
             </a:r>
             <a:r>
               <a:rPr lang="en-US" altLang="ko-KR" sz="1800" b="1" dirty="0">
@@ -14141,16 +14667,16 @@
                 </a:solidFill>
                 <a:sym typeface="Wingdings" panose="05000000000000000000" pitchFamily="2" charset="2"/>
               </a:rPr>
-              <a:t>마우스 </a:t>
-            </a:r>
-            <a:r>
-              <a:rPr lang="ko-KR" altLang="en-US" sz="1800" b="1" dirty="0" err="1">
+              <a:t>동적연결라이브러리 </a:t>
+            </a:r>
+            <a:r>
+              <a:rPr lang="en-US" altLang="ko-KR" sz="1800" b="1" dirty="0">
                 <a:solidFill>
                   <a:schemeClr val="accent2"/>
                 </a:solidFill>
                 <a:sym typeface="Wingdings" panose="05000000000000000000" pitchFamily="2" charset="2"/>
               </a:rPr>
-              <a:t>오른쪽버튼</a:t>
+              <a:t>DLL </a:t>
             </a:r>
             <a:r>
               <a:rPr lang="ko-KR" altLang="en-US" sz="1800" b="1" dirty="0">
@@ -14159,142 +14685,61 @@
                 </a:solidFill>
                 <a:sym typeface="Wingdings" panose="05000000000000000000" pitchFamily="2" charset="2"/>
               </a:rPr>
+              <a:t>선택 </a:t>
+            </a:r>
+            <a:r>
+              <a:rPr lang="en-US" altLang="ko-KR" sz="1800" b="1" dirty="0">
+                <a:solidFill>
+                  <a:schemeClr val="accent2"/>
+                </a:solidFill>
+                <a:sym typeface="Wingdings" panose="05000000000000000000" pitchFamily="2" charset="2"/>
+              </a:rPr>
+              <a:t> </a:t>
+            </a:r>
+            <a:r>
+              <a:rPr lang="ko-KR" altLang="en-US" sz="1800" b="1" dirty="0">
+                <a:solidFill>
+                  <a:schemeClr val="accent2"/>
+                </a:solidFill>
+                <a:sym typeface="Wingdings" panose="05000000000000000000" pitchFamily="2" charset="2"/>
+              </a:rPr>
+              <a:t>생성된 </a:t>
+            </a:r>
+            <a:r>
+              <a:rPr lang="en-US" altLang="ko-KR" sz="1800" b="1" dirty="0">
+                <a:solidFill>
+                  <a:schemeClr val="accent2"/>
+                </a:solidFill>
+                <a:sym typeface="Wingdings" panose="05000000000000000000" pitchFamily="2" charset="2"/>
+              </a:rPr>
+              <a:t>.</a:t>
+            </a:r>
+            <a:r>
+              <a:rPr lang="en-US" altLang="ko-KR" sz="1800" b="1" dirty="0" err="1">
+                <a:solidFill>
+                  <a:schemeClr val="accent2"/>
+                </a:solidFill>
+                <a:sym typeface="Wingdings" panose="05000000000000000000" pitchFamily="2" charset="2"/>
+              </a:rPr>
+              <a:t>cpp</a:t>
+            </a:r>
+            <a:r>
+              <a:rPr lang="en-US" altLang="ko-KR" sz="1800" b="1" dirty="0">
+                <a:solidFill>
+                  <a:schemeClr val="accent2"/>
+                </a:solidFill>
+                <a:sym typeface="Wingdings" panose="05000000000000000000" pitchFamily="2" charset="2"/>
+              </a:rPr>
               <a:t> </a:t>
             </a:r>
             <a:r>
-              <a:rPr lang="en-US" altLang="ko-KR" sz="1800" b="1" dirty="0">
+              <a:rPr lang="ko-KR" altLang="en-US" sz="1800" b="1" dirty="0">
                 <a:solidFill>
                   <a:schemeClr val="accent2"/>
                 </a:solidFill>
                 <a:sym typeface="Wingdings" panose="05000000000000000000" pitchFamily="2" charset="2"/>
               </a:rPr>
-              <a:t> </a:t>
-            </a:r>
-            <a:r>
-              <a:rPr lang="ko-KR" altLang="en-US" sz="1800" b="1" dirty="0">
-                <a:solidFill>
-                  <a:schemeClr val="accent2"/>
-                </a:solidFill>
-                <a:sym typeface="Wingdings" panose="05000000000000000000" pitchFamily="2" charset="2"/>
-              </a:rPr>
-              <a:t>추가 </a:t>
-            </a:r>
-            <a:r>
-              <a:rPr lang="en-US" altLang="ko-KR" sz="1800" b="1" dirty="0">
-                <a:solidFill>
-                  <a:schemeClr val="accent2"/>
-                </a:solidFill>
-                <a:sym typeface="Wingdings" panose="05000000000000000000" pitchFamily="2" charset="2"/>
-              </a:rPr>
-              <a:t>/ </a:t>
-            </a:r>
-            <a:r>
-              <a:rPr lang="ko-KR" altLang="en-US" sz="1800" b="1" dirty="0" err="1">
-                <a:solidFill>
-                  <a:schemeClr val="accent2"/>
-                </a:solidFill>
-                <a:sym typeface="Wingdings" panose="05000000000000000000" pitchFamily="2" charset="2"/>
-              </a:rPr>
-              <a:t>기존항목</a:t>
-            </a:r>
-            <a:r>
-              <a:rPr lang="ko-KR" altLang="en-US" sz="1800" b="1" dirty="0">
-                <a:solidFill>
-                  <a:schemeClr val="accent2"/>
-                </a:solidFill>
-                <a:sym typeface="Wingdings" panose="05000000000000000000" pitchFamily="2" charset="2"/>
-              </a:rPr>
-              <a:t> </a:t>
-            </a:r>
-            <a:r>
-              <a:rPr lang="en-US" altLang="ko-KR" sz="1800" b="1" dirty="0">
-                <a:solidFill>
-                  <a:schemeClr val="accent2"/>
-                </a:solidFill>
-                <a:sym typeface="Wingdings" panose="05000000000000000000" pitchFamily="2" charset="2"/>
-              </a:rPr>
-              <a:t>(1</a:t>
-            </a:r>
-            <a:r>
-              <a:rPr lang="ko-KR" altLang="en-US" sz="1800" b="1" dirty="0">
-                <a:solidFill>
-                  <a:schemeClr val="accent2"/>
-                </a:solidFill>
-                <a:sym typeface="Wingdings" panose="05000000000000000000" pitchFamily="2" charset="2"/>
-              </a:rPr>
-              <a:t>부</a:t>
-            </a:r>
-            <a:r>
-              <a:rPr lang="en-US" altLang="ko-KR" sz="1800" b="1" dirty="0">
-                <a:solidFill>
-                  <a:schemeClr val="accent2"/>
-                </a:solidFill>
-                <a:sym typeface="Wingdings" panose="05000000000000000000" pitchFamily="2" charset="2"/>
-              </a:rPr>
-              <a:t>9</a:t>
-            </a:r>
-            <a:r>
-              <a:rPr lang="ko-KR" altLang="en-US" sz="1800" b="1" dirty="0">
-                <a:solidFill>
-                  <a:schemeClr val="accent2"/>
-                </a:solidFill>
-                <a:sym typeface="Wingdings" panose="05000000000000000000" pitchFamily="2" charset="2"/>
-              </a:rPr>
-              <a:t>장</a:t>
-            </a:r>
-            <a:r>
-              <a:rPr lang="en-US" altLang="ko-KR" sz="1800" b="1" dirty="0">
-                <a:solidFill>
-                  <a:schemeClr val="accent2"/>
-                </a:solidFill>
-                <a:sym typeface="Wingdings" panose="05000000000000000000" pitchFamily="2" charset="2"/>
-              </a:rPr>
-              <a:t>spam </a:t>
-            </a:r>
-            <a:r>
-              <a:rPr lang="ko-KR" altLang="en-US" sz="1800" b="1" dirty="0">
-                <a:solidFill>
-                  <a:schemeClr val="accent2"/>
-                </a:solidFill>
-                <a:sym typeface="Wingdings" panose="05000000000000000000" pitchFamily="2" charset="2"/>
-              </a:rPr>
-              <a:t>폴더</a:t>
-            </a:r>
-            <a:r>
-              <a:rPr lang="en-US" altLang="ko-KR" sz="1800" b="1" dirty="0">
-                <a:solidFill>
-                  <a:schemeClr val="accent2"/>
-                </a:solidFill>
-                <a:sym typeface="Wingdings" panose="05000000000000000000" pitchFamily="2" charset="2"/>
-              </a:rPr>
-              <a:t>) </a:t>
-            </a:r>
-            <a:r>
-              <a:rPr lang="en-US" altLang="ko-KR" sz="1800" b="1" dirty="0" err="1">
-                <a:solidFill>
-                  <a:schemeClr val="accent2"/>
-                </a:solidFill>
-                <a:sym typeface="Wingdings" panose="05000000000000000000" pitchFamily="2" charset="2"/>
-              </a:rPr>
-              <a:t>spammodule.c</a:t>
-            </a:r>
-            <a:r>
-              <a:rPr lang="en-US" altLang="ko-KR" sz="1800" b="1" dirty="0">
-                <a:solidFill>
-                  <a:schemeClr val="accent2"/>
-                </a:solidFill>
-                <a:sym typeface="Wingdings" panose="05000000000000000000" pitchFamily="2" charset="2"/>
-              </a:rPr>
-              <a:t> </a:t>
-            </a:r>
-            <a:r>
-              <a:rPr lang="ko-KR" altLang="en-US" sz="1800" b="1" dirty="0">
-                <a:solidFill>
-                  <a:schemeClr val="accent2"/>
-                </a:solidFill>
-                <a:sym typeface="Wingdings" panose="05000000000000000000" pitchFamily="2" charset="2"/>
-              </a:rPr>
-              <a:t>추가</a:t>
+              <a:t>제거</a:t>
             </a:r>
             <a:endParaRPr lang="en-US" altLang="ko-KR" sz="1800" b="1" dirty="0">
               <a:solidFill>
@@ -14638,7 +15083,13 @@
       </p:sp>
       <p:pic>
         <p:nvPicPr>
-          <p:cNvPr id="2" name="그림 1"/>
+          <p:cNvPr id="4" name="그림 3">
+            <a:extLst>
+              <a:ext uri="{FF2B5EF4-FFF2-40B4-BE49-F238E27FC236}">
+                <a16:creationId xmlns:a16="http://schemas.microsoft.com/office/drawing/2014/main" id="{95D280A0-98AD-B669-4B6C-534DFE84D3AA}"/>
+              </a:ext>
+            </a:extLst>
+          </p:cNvPr>
           <p:cNvPicPr>
             <a:picLocks noChangeAspect="1"/>
           </p:cNvPicPr>
@@ -14652,23 +15103,18 @@
         </p:blipFill>
         <p:spPr>
           <a:xfrm>
-            <a:off x="1196729" y="1742763"/>
-            <a:ext cx="6383829" cy="4561200"/>
+            <a:off x="1129122" y="1466234"/>
+            <a:ext cx="7100478" cy="4763423"/>
           </a:xfrm>
           <a:prstGeom prst="rect">
             <a:avLst/>
           </a:prstGeom>
-          <a:ln>
-            <a:solidFill>
-              <a:schemeClr val="tx1"/>
-            </a:solidFill>
-          </a:ln>
         </p:spPr>
       </p:pic>
     </p:spTree>
     <p:extLst>
       <p:ext uri="{BB962C8B-B14F-4D97-AF65-F5344CB8AC3E}">
-        <p14:creationId xmlns:p14="http://schemas.microsoft.com/office/powerpoint/2010/main" val="2544507698"/>
+        <p14:creationId xmlns:p14="http://schemas.microsoft.com/office/powerpoint/2010/main" val="2192731921"/>
       </p:ext>
     </p:extLst>
   </p:cSld>
@@ -14942,7 +15388,7 @@
                   <a:schemeClr val="accent2"/>
                 </a:solidFill>
               </a:rPr>
-              <a:t>visual studio</a:t>
+              <a:t>visual studio19 </a:t>
             </a:r>
             <a:r>
               <a:rPr lang="ko-KR" altLang="en-US" sz="1800" b="1" dirty="0">
@@ -14950,56 +15396,13 @@
                   <a:schemeClr val="accent2"/>
                 </a:solidFill>
               </a:rPr>
-              <a:t>에서 빌드 </a:t>
-            </a:r>
-            <a:r>
-              <a:rPr lang="en-US" altLang="ko-KR" sz="1800" b="1" dirty="0">
-                <a:solidFill>
-                  <a:schemeClr val="accent2"/>
-                </a:solidFill>
-              </a:rPr>
-              <a:t>(</a:t>
-            </a:r>
-            <a:r>
-              <a:rPr lang="en-US" altLang="ko-KR" sz="1800" b="1" dirty="0">
-                <a:solidFill>
-                  <a:srgbClr val="FF0000"/>
-                </a:solidFill>
-              </a:rPr>
-              <a:t>Release </a:t>
-            </a:r>
-            <a:r>
-              <a:rPr lang="ko-KR" altLang="en-US" sz="1800" b="1" dirty="0">
-                <a:solidFill>
-                  <a:srgbClr val="FF0000"/>
-                </a:solidFill>
-              </a:rPr>
-              <a:t>모드 </a:t>
-            </a:r>
-            <a:r>
-              <a:rPr lang="en-US" altLang="ko-KR" sz="1800" b="1" dirty="0">
-                <a:solidFill>
-                  <a:srgbClr val="FF0000"/>
-                </a:solidFill>
-              </a:rPr>
-              <a:t>x64 / x86 </a:t>
-            </a:r>
-            <a:r>
-              <a:rPr lang="ko-KR" altLang="en-US" sz="1800" b="1" dirty="0">
-                <a:solidFill>
-                  <a:srgbClr val="FF0000"/>
-                </a:solidFill>
-              </a:rPr>
-              <a:t>선택</a:t>
-            </a:r>
-            <a:r>
-              <a:rPr lang="en-US" altLang="ko-KR" sz="1800" b="1" dirty="0">
-                <a:solidFill>
-                  <a:schemeClr val="accent2"/>
-                </a:solidFill>
-              </a:rPr>
-              <a:t>)</a:t>
-            </a:r>
+              <a:t>이상</a:t>
+            </a:r>
+            <a:endParaRPr lang="en-US" altLang="ko-KR" sz="1800" b="1" dirty="0">
+              <a:solidFill>
+                <a:schemeClr val="accent2"/>
+              </a:solidFill>
+            </a:endParaRPr>
           </a:p>
           <a:p>
             <a:pPr lvl="1" eaLnBrk="1" hangingPunct="1">
@@ -15012,23 +15415,33 @@
                   <a:schemeClr val="accent2"/>
                 </a:solidFill>
               </a:rPr>
-              <a:t>4. </a:t>
-            </a:r>
-            <a:r>
-              <a:rPr lang="ko-KR" altLang="en-US" sz="1800" b="1" dirty="0" err="1">
+              <a:t>2. </a:t>
+            </a:r>
+            <a:r>
+              <a:rPr lang="ko-KR" altLang="en-US" sz="1800" b="1" dirty="0">
                 <a:solidFill>
                   <a:schemeClr val="accent2"/>
                 </a:solidFill>
               </a:rPr>
-              <a:t>릴리즈</a:t>
+              <a:t>응용프로그램 종류 </a:t>
+            </a:r>
+            <a:r>
+              <a:rPr lang="en-US" altLang="ko-KR" sz="1800" b="1" dirty="0">
+                <a:solidFill>
+                  <a:schemeClr val="accent2"/>
+                </a:solidFill>
+                <a:sym typeface="Wingdings" panose="05000000000000000000" pitchFamily="2" charset="2"/>
+              </a:rPr>
+              <a:t> </a:t>
             </a:r>
             <a:r>
               <a:rPr lang="ko-KR" altLang="en-US" sz="1800" b="1" dirty="0">
                 <a:solidFill>
                   <a:schemeClr val="accent2"/>
                 </a:solidFill>
-              </a:rPr>
-              <a:t> 모드 </a:t>
+                <a:sym typeface="Wingdings" panose="05000000000000000000" pitchFamily="2" charset="2"/>
+              </a:rPr>
+              <a:t>동적연결라이브러리 </a:t>
             </a:r>
             <a:r>
               <a:rPr lang="en-US" altLang="ko-KR" sz="1800" b="1" dirty="0">
@@ -15037,6 +15450,24 @@
                 </a:solidFill>
                 <a:sym typeface="Wingdings" panose="05000000000000000000" pitchFamily="2" charset="2"/>
               </a:rPr>
+              <a:t>DLL </a:t>
+            </a:r>
+            <a:r>
+              <a:rPr lang="ko-KR" altLang="en-US" sz="1800" b="1" dirty="0">
+                <a:solidFill>
+                  <a:schemeClr val="accent2"/>
+                </a:solidFill>
+                <a:sym typeface="Wingdings" panose="05000000000000000000" pitchFamily="2" charset="2"/>
+              </a:rPr>
+              <a:t>선택 </a:t>
+            </a:r>
+            <a:r>
+              <a:rPr lang="en-US" altLang="ko-KR" sz="1800" b="1" dirty="0">
+                <a:solidFill>
+                  <a:schemeClr val="accent2"/>
+                </a:solidFill>
+                <a:sym typeface="Wingdings" panose="05000000000000000000" pitchFamily="2" charset="2"/>
+              </a:rPr>
               <a:t> </a:t>
             </a:r>
             <a:r>
@@ -15046,7 +15477,7 @@
                 </a:solidFill>
                 <a:sym typeface="Wingdings" panose="05000000000000000000" pitchFamily="2" charset="2"/>
               </a:rPr>
-              <a:t>프로젝트속성창</a:t>
+              <a:t> </a:t>
             </a:r>
             <a:r>
               <a:rPr lang="en-US" altLang="ko-KR" sz="1800" b="1" dirty="0">
@@ -15055,87 +15486,34 @@
                 </a:solidFill>
                 <a:sym typeface="Wingdings" panose="05000000000000000000" pitchFamily="2" charset="2"/>
               </a:rPr>
-              <a:t>(Alt-F7)</a:t>
+              <a:t>*.</a:t>
+            </a:r>
+            <a:r>
+              <a:rPr lang="en-US" altLang="ko-KR" sz="1800" b="1" dirty="0" err="1">
+                <a:solidFill>
+                  <a:schemeClr val="accent2"/>
+                </a:solidFill>
+                <a:sym typeface="Wingdings" panose="05000000000000000000" pitchFamily="2" charset="2"/>
+              </a:rPr>
+              <a:t>cpp</a:t>
+            </a:r>
+            <a:r>
+              <a:rPr lang="en-US" altLang="ko-KR" sz="1800" b="1" dirty="0">
+                <a:solidFill>
+                  <a:schemeClr val="accent2"/>
+                </a:solidFill>
+                <a:sym typeface="Wingdings" panose="05000000000000000000" pitchFamily="2" charset="2"/>
+              </a:rPr>
+              <a:t> *.h </a:t>
             </a:r>
             <a:r>
               <a:rPr lang="ko-KR" altLang="en-US" sz="1800" b="1" dirty="0">
                 <a:solidFill>
                   <a:schemeClr val="accent2"/>
                 </a:solidFill>
-              </a:rPr>
-              <a:t> </a:t>
-            </a:r>
-            <a:r>
-              <a:rPr lang="en-US" altLang="ko-KR" sz="1800" b="1" dirty="0">
-                <a:solidFill>
-                  <a:schemeClr val="accent2"/>
-                </a:solidFill>
                 <a:sym typeface="Wingdings" panose="05000000000000000000" pitchFamily="2" charset="2"/>
               </a:rPr>
-              <a:t>/</a:t>
-            </a:r>
-            <a:r>
-              <a:rPr lang="ko-KR" altLang="en-US" sz="1800" b="1" dirty="0" err="1">
-                <a:solidFill>
-                  <a:schemeClr val="accent2"/>
-                </a:solidFill>
-                <a:sym typeface="Wingdings" panose="05000000000000000000" pitchFamily="2" charset="2"/>
-              </a:rPr>
-              <a:t>구성속성</a:t>
-            </a:r>
-            <a:r>
-              <a:rPr lang="en-US" altLang="ko-KR" sz="1800" b="1" dirty="0">
-                <a:solidFill>
-                  <a:schemeClr val="accent2"/>
-                </a:solidFill>
-                <a:sym typeface="Wingdings" panose="05000000000000000000" pitchFamily="2" charset="2"/>
-              </a:rPr>
-              <a:t>/ C/C++/ </a:t>
-            </a:r>
-            <a:r>
-              <a:rPr lang="ko-KR" altLang="en-US" sz="1800" b="1" dirty="0">
-                <a:solidFill>
-                  <a:schemeClr val="accent2"/>
-                </a:solidFill>
-                <a:sym typeface="Wingdings" panose="05000000000000000000" pitchFamily="2" charset="2"/>
-              </a:rPr>
-              <a:t>일반 </a:t>
-            </a:r>
-            <a:r>
-              <a:rPr lang="en-US" altLang="ko-KR" sz="1800" b="1" dirty="0">
-                <a:solidFill>
-                  <a:schemeClr val="accent2"/>
-                </a:solidFill>
-                <a:sym typeface="Wingdings" panose="05000000000000000000" pitchFamily="2" charset="2"/>
-              </a:rPr>
-              <a:t> </a:t>
-            </a:r>
-            <a:r>
-              <a:rPr lang="ko-KR" altLang="en-US" sz="1800" b="1" dirty="0">
-                <a:solidFill>
-                  <a:schemeClr val="accent2"/>
-                </a:solidFill>
-                <a:sym typeface="Wingdings" panose="05000000000000000000" pitchFamily="2" charset="2"/>
-              </a:rPr>
-              <a:t>추가포함디렉터리 </a:t>
-            </a:r>
-            <a:r>
-              <a:rPr lang="en-US" altLang="ko-KR" sz="1800" b="1" dirty="0">
-                <a:solidFill>
-                  <a:schemeClr val="accent2"/>
-                </a:solidFill>
-                <a:sym typeface="Wingdings" panose="05000000000000000000" pitchFamily="2" charset="2"/>
-              </a:rPr>
-              <a:t> C:\Python37\include </a:t>
-            </a:r>
-            <a:r>
-              <a:rPr lang="ko-KR" altLang="en-US" sz="1800" b="1" dirty="0">
-                <a:solidFill>
-                  <a:schemeClr val="accent2"/>
-                </a:solidFill>
-                <a:sym typeface="Wingdings" panose="05000000000000000000" pitchFamily="2" charset="2"/>
-              </a:rPr>
-              <a:t>입력</a:t>
+              <a:t>제거</a:t>
             </a:r>
             <a:endParaRPr lang="en-US" altLang="ko-KR" sz="1800" b="1" dirty="0">
               <a:solidFill>
@@ -15479,7 +15857,13 @@
       </p:sp>
       <p:pic>
         <p:nvPicPr>
-          <p:cNvPr id="3" name="그림 2"/>
+          <p:cNvPr id="3" name="그림 2">
+            <a:extLst>
+              <a:ext uri="{FF2B5EF4-FFF2-40B4-BE49-F238E27FC236}">
+                <a16:creationId xmlns:a16="http://schemas.microsoft.com/office/drawing/2014/main" id="{FBD9B346-1AED-C52D-F5CE-89B9B17E0475}"/>
+              </a:ext>
+            </a:extLst>
+          </p:cNvPr>
           <p:cNvPicPr>
             <a:picLocks noChangeAspect="1"/>
           </p:cNvPicPr>
@@ -15493,8 +15877,8 @@
         </p:blipFill>
         <p:spPr>
           <a:xfrm>
-            <a:off x="1549267" y="2070742"/>
-            <a:ext cx="6377121" cy="3880796"/>
+            <a:off x="1221615" y="1617663"/>
+            <a:ext cx="3429000" cy="3343275"/>
           </a:xfrm>
           <a:prstGeom prst="rect">
             <a:avLst/>
@@ -15504,7 +15888,7 @@
     </p:spTree>
     <p:extLst>
       <p:ext uri="{BB962C8B-B14F-4D97-AF65-F5344CB8AC3E}">
-        <p14:creationId xmlns:p14="http://schemas.microsoft.com/office/powerpoint/2010/main" val="671921215"/>
+        <p14:creationId xmlns:p14="http://schemas.microsoft.com/office/powerpoint/2010/main" val="2370669260"/>
       </p:ext>
     </p:extLst>
   </p:cSld>
@@ -15805,21 +16189,49 @@
                   <a:schemeClr val="accent2"/>
                 </a:solidFill>
               </a:rPr>
-              <a:t>5. </a:t>
+              <a:t>3. </a:t>
+            </a:r>
+            <a:r>
+              <a:rPr lang="ko-KR" altLang="en-US" sz="1800" b="1" dirty="0">
+                <a:solidFill>
+                  <a:schemeClr val="accent2"/>
+                </a:solidFill>
+              </a:rPr>
+              <a:t>소스 파일 </a:t>
+            </a:r>
+            <a:r>
+              <a:rPr lang="en-US" altLang="ko-KR" sz="1800" b="1" dirty="0">
+                <a:solidFill>
+                  <a:schemeClr val="accent2"/>
+                </a:solidFill>
+                <a:sym typeface="Wingdings" panose="05000000000000000000" pitchFamily="2" charset="2"/>
+              </a:rPr>
+              <a:t> </a:t>
+            </a:r>
+            <a:r>
+              <a:rPr lang="ko-KR" altLang="en-US" sz="1800" b="1" dirty="0">
+                <a:solidFill>
+                  <a:schemeClr val="accent2"/>
+                </a:solidFill>
+                <a:sym typeface="Wingdings" panose="05000000000000000000" pitchFamily="2" charset="2"/>
+              </a:rPr>
+              <a:t>마우스 </a:t>
             </a:r>
             <a:r>
               <a:rPr lang="ko-KR" altLang="en-US" sz="1800" b="1" dirty="0" err="1">
                 <a:solidFill>
                   <a:schemeClr val="accent2"/>
                 </a:solidFill>
-              </a:rPr>
-              <a:t>링커</a:t>
+                <a:sym typeface="Wingdings" panose="05000000000000000000" pitchFamily="2" charset="2"/>
+              </a:rPr>
+              <a:t>오른쪽버튼</a:t>
             </a:r>
             <a:r>
               <a:rPr lang="ko-KR" altLang="en-US" sz="1800" b="1" dirty="0">
                 <a:solidFill>
                   <a:schemeClr val="accent2"/>
                 </a:solidFill>
+                <a:sym typeface="Wingdings" panose="05000000000000000000" pitchFamily="2" charset="2"/>
               </a:rPr>
               <a:t> </a:t>
             </a:r>
@@ -15828,16 +16240,45 @@
                 <a:solidFill>
                   <a:schemeClr val="accent2"/>
                 </a:solidFill>
+                <a:sym typeface="Wingdings" panose="05000000000000000000" pitchFamily="2" charset="2"/>
+              </a:rPr>
+              <a:t> </a:t>
+            </a:r>
+            <a:r>
+              <a:rPr lang="ko-KR" altLang="en-US" sz="1800" b="1" dirty="0">
+                <a:solidFill>
+                  <a:schemeClr val="accent2"/>
+                </a:solidFill>
+                <a:sym typeface="Wingdings" panose="05000000000000000000" pitchFamily="2" charset="2"/>
+              </a:rPr>
+              <a:t>추가 </a:t>
+            </a:r>
+            <a:r>
+              <a:rPr lang="en-US" altLang="ko-KR" sz="1800" b="1" dirty="0">
+                <a:solidFill>
+                  <a:schemeClr val="accent2"/>
+                </a:solidFill>
+                <a:sym typeface="Wingdings" panose="05000000000000000000" pitchFamily="2" charset="2"/>
               </a:rPr>
               <a:t>/ </a:t>
             </a:r>
             <a:r>
+              <a:rPr lang="ko-KR" altLang="en-US" sz="1800" b="1" dirty="0" err="1">
+                <a:solidFill>
+                  <a:schemeClr val="accent2"/>
+                </a:solidFill>
+                <a:sym typeface="Wingdings" panose="05000000000000000000" pitchFamily="2" charset="2"/>
+              </a:rPr>
+              <a:t>기존항목</a:t>
+            </a:r>
+            <a:r>
               <a:rPr lang="ko-KR" altLang="en-US" sz="1800" b="1" dirty="0">
                 <a:solidFill>
                   <a:schemeClr val="accent2"/>
                 </a:solidFill>
-              </a:rPr>
-              <a:t>일반</a:t>
+                <a:sym typeface="Wingdings" panose="05000000000000000000" pitchFamily="2" charset="2"/>
+              </a:rPr>
+              <a:t> </a:t>
             </a:r>
             <a:r>
               <a:rPr lang="en-US" altLang="ko-KR" sz="1800" b="1" dirty="0">
@@ -15846,7 +16287,7 @@
                 </a:solidFill>
                 <a:sym typeface="Wingdings" panose="05000000000000000000" pitchFamily="2" charset="2"/>
               </a:rPr>
-              <a:t> </a:t>
+              <a:t>(1</a:t>
             </a:r>
             <a:r>
               <a:rPr lang="ko-KR" altLang="en-US" sz="1800" b="1" dirty="0">
@@ -15855,7 +16296,7 @@
                 </a:solidFill>
                 <a:sym typeface="Wingdings" panose="05000000000000000000" pitchFamily="2" charset="2"/>
               </a:rPr>
-              <a:t>추가라이브러리 디렉터리</a:t>
+              <a:t>부</a:t>
             </a:r>
             <a:r>
               <a:rPr lang="en-US" altLang="ko-KR" sz="1800" b="1" dirty="0">
@@ -15864,7 +16305,7 @@
                 </a:solidFill>
                 <a:sym typeface="Wingdings" panose="05000000000000000000" pitchFamily="2" charset="2"/>
               </a:rPr>
-              <a:t> C:\Python37\libs </a:t>
+              <a:t>9</a:t>
             </a:r>
             <a:r>
               <a:rPr lang="ko-KR" altLang="en-US" sz="1800" b="1" dirty="0">
@@ -15873,7 +16314,61 @@
                 </a:solidFill>
                 <a:sym typeface="Wingdings" panose="05000000000000000000" pitchFamily="2" charset="2"/>
               </a:rPr>
-              <a:t>입력</a:t>
+              <a:t>장</a:t>
+            </a:r>
+            <a:r>
+              <a:rPr lang="en-US" altLang="ko-KR" sz="1800" b="1" dirty="0">
+                <a:solidFill>
+                  <a:schemeClr val="accent2"/>
+                </a:solidFill>
+                <a:sym typeface="Wingdings" panose="05000000000000000000" pitchFamily="2" charset="2"/>
+              </a:rPr>
+              <a:t>spam </a:t>
+            </a:r>
+            <a:r>
+              <a:rPr lang="ko-KR" altLang="en-US" sz="1800" b="1" dirty="0">
+                <a:solidFill>
+                  <a:schemeClr val="accent2"/>
+                </a:solidFill>
+                <a:sym typeface="Wingdings" panose="05000000000000000000" pitchFamily="2" charset="2"/>
+              </a:rPr>
+              <a:t>폴더</a:t>
+            </a:r>
+            <a:r>
+              <a:rPr lang="en-US" altLang="ko-KR" sz="1800" b="1" dirty="0">
+                <a:solidFill>
+                  <a:schemeClr val="accent2"/>
+                </a:solidFill>
+                <a:sym typeface="Wingdings" panose="05000000000000000000" pitchFamily="2" charset="2"/>
+              </a:rPr>
+              <a:t>) </a:t>
+            </a:r>
+            <a:r>
+              <a:rPr lang="en-US" altLang="ko-KR" sz="1800" b="1" dirty="0" err="1">
+                <a:solidFill>
+                  <a:schemeClr val="accent2"/>
+                </a:solidFill>
+                <a:sym typeface="Wingdings" panose="05000000000000000000" pitchFamily="2" charset="2"/>
+              </a:rPr>
+              <a:t>spammodule.c</a:t>
+            </a:r>
+            <a:r>
+              <a:rPr lang="en-US" altLang="ko-KR" sz="1800" b="1" dirty="0">
+                <a:solidFill>
+                  <a:schemeClr val="accent2"/>
+                </a:solidFill>
+                <a:sym typeface="Wingdings" panose="05000000000000000000" pitchFamily="2" charset="2"/>
+              </a:rPr>
+              <a:t> </a:t>
+            </a:r>
+            <a:r>
+              <a:rPr lang="ko-KR" altLang="en-US" sz="1800" b="1" dirty="0">
+                <a:solidFill>
+                  <a:schemeClr val="accent2"/>
+                </a:solidFill>
+                <a:sym typeface="Wingdings" panose="05000000000000000000" pitchFamily="2" charset="2"/>
+              </a:rPr>
+              <a:t>추가</a:t>
             </a:r>
             <a:endParaRPr lang="en-US" altLang="ko-KR" sz="1800" b="1" dirty="0">
               <a:solidFill>
@@ -16217,7 +16712,7 @@
       </p:sp>
       <p:pic>
         <p:nvPicPr>
-          <p:cNvPr id="3" name="그림 2"/>
+          <p:cNvPr id="2" name="그림 1"/>
           <p:cNvPicPr>
             <a:picLocks noChangeAspect="1"/>
           </p:cNvPicPr>
@@ -16231,8 +16726,8 @@
         </p:blipFill>
         <p:spPr>
           <a:xfrm>
-            <a:off x="1332405" y="1970088"/>
-            <a:ext cx="6400620" cy="3774586"/>
+            <a:off x="1196729" y="1742763"/>
+            <a:ext cx="6383829" cy="4561200"/>
           </a:xfrm>
           <a:prstGeom prst="rect">
             <a:avLst/>
@@ -16247,7 +16742,7 @@
     </p:spTree>
     <p:extLst>
       <p:ext uri="{BB962C8B-B14F-4D97-AF65-F5344CB8AC3E}">
-        <p14:creationId xmlns:p14="http://schemas.microsoft.com/office/powerpoint/2010/main" val="2935278896"/>
+        <p14:creationId xmlns:p14="http://schemas.microsoft.com/office/powerpoint/2010/main" val="2544507698"/>
       </p:ext>
     </p:extLst>
   </p:cSld>
@@ -16529,13 +17024,56 @@
                   <a:schemeClr val="accent2"/>
                 </a:solidFill>
               </a:rPr>
-              <a:t>에서 빌드</a:t>
-            </a:r>
-            <a:endParaRPr lang="en-US" altLang="ko-KR" sz="1800" b="1" dirty="0">
-              <a:solidFill>
-                <a:schemeClr val="accent2"/>
-              </a:solidFill>
-            </a:endParaRPr>
+              <a:t>에서 빌드 </a:t>
+            </a:r>
+            <a:r>
+              <a:rPr lang="en-US" altLang="ko-KR" sz="1800" b="1" dirty="0">
+                <a:solidFill>
+                  <a:schemeClr val="accent2"/>
+                </a:solidFill>
+              </a:rPr>
+              <a:t>(</a:t>
+            </a:r>
+            <a:r>
+              <a:rPr lang="en-US" altLang="ko-KR" sz="1800" b="1" dirty="0">
+                <a:solidFill>
+                  <a:srgbClr val="FF0000"/>
+                </a:solidFill>
+              </a:rPr>
+              <a:t>Release </a:t>
+            </a:r>
+            <a:r>
+              <a:rPr lang="ko-KR" altLang="en-US" sz="1800" b="1" dirty="0">
+                <a:solidFill>
+                  <a:srgbClr val="FF0000"/>
+                </a:solidFill>
+              </a:rPr>
+              <a:t>모드 </a:t>
+            </a:r>
+            <a:r>
+              <a:rPr lang="en-US" altLang="ko-KR" sz="1800" b="1" dirty="0">
+                <a:solidFill>
+                  <a:srgbClr val="FF0000"/>
+                </a:solidFill>
+              </a:rPr>
+              <a:t>x64 / x86 </a:t>
+            </a:r>
+            <a:r>
+              <a:rPr lang="ko-KR" altLang="en-US" sz="1800" b="1" dirty="0">
+                <a:solidFill>
+                  <a:srgbClr val="FF0000"/>
+                </a:solidFill>
+              </a:rPr>
+              <a:t>선택</a:t>
+            </a:r>
+            <a:r>
+              <a:rPr lang="en-US" altLang="ko-KR" sz="1800" b="1" dirty="0">
+                <a:solidFill>
+                  <a:schemeClr val="accent2"/>
+                </a:solidFill>
+              </a:rPr>
+              <a:t>)</a:t>
+            </a:r>
           </a:p>
           <a:p>
             <a:pPr lvl="1" eaLnBrk="1" hangingPunct="1">
@@ -16548,7 +17086,7 @@
                   <a:schemeClr val="accent2"/>
                 </a:solidFill>
               </a:rPr>
-              <a:t>6. </a:t>
+              <a:t>4. </a:t>
             </a:r>
             <a:r>
               <a:rPr lang="ko-KR" altLang="en-US" sz="1800" b="1" dirty="0" err="1">
@@ -16556,7 +17094,7 @@
                   <a:schemeClr val="accent2"/>
                 </a:solidFill>
               </a:rPr>
-              <a:t>링커</a:t>
+              <a:t>릴리즈</a:t>
             </a:r>
             <a:r>
               <a:rPr lang="ko-KR" altLang="en-US" sz="1800" b="1" dirty="0">
@@ -16564,6 +17102,41 @@
                   <a:schemeClr val="accent2"/>
                 </a:solidFill>
               </a:rPr>
+              <a:t> 모드 </a:t>
+            </a:r>
+            <a:r>
+              <a:rPr lang="en-US" altLang="ko-KR" sz="1800" b="1" dirty="0">
+                <a:solidFill>
+                  <a:schemeClr val="accent2"/>
+                </a:solidFill>
+                <a:sym typeface="Wingdings" panose="05000000000000000000" pitchFamily="2" charset="2"/>
+              </a:rPr>
+              <a:t> </a:t>
+            </a:r>
+            <a:r>
+              <a:rPr lang="ko-KR" altLang="en-US" sz="1800" b="1" dirty="0">
+                <a:solidFill>
+                  <a:schemeClr val="accent2"/>
+                </a:solidFill>
+                <a:sym typeface="Wingdings" panose="05000000000000000000" pitchFamily="2" charset="2"/>
+              </a:rPr>
+              <a:t>프로젝트속성창</a:t>
+            </a:r>
+            <a:r>
+              <a:rPr lang="en-US" altLang="ko-KR" sz="1800" b="1" dirty="0">
+                <a:solidFill>
+                  <a:schemeClr val="accent2"/>
+                </a:solidFill>
+                <a:sym typeface="Wingdings" panose="05000000000000000000" pitchFamily="2" charset="2"/>
+              </a:rPr>
+              <a:t>(Alt-F7)</a:t>
+            </a:r>
+            <a:r>
+              <a:rPr lang="ko-KR" altLang="en-US" sz="1800" b="1" dirty="0">
+                <a:solidFill>
+                  <a:schemeClr val="accent2"/>
+                </a:solidFill>
+              </a:rPr>
               <a:t> </a:t>
             </a:r>
             <a:r>
@@ -16571,16 +17144,36 @@
                 <a:solidFill>
                   <a:schemeClr val="accent2"/>
                 </a:solidFill>
-              </a:rPr>
-              <a:t>/ </a:t>
+                <a:sym typeface="Wingdings" panose="05000000000000000000" pitchFamily="2" charset="2"/>
+              </a:rPr>
+              <a:t>/</a:t>
+            </a:r>
+            <a:r>
+              <a:rPr lang="ko-KR" altLang="en-US" sz="1800" b="1" dirty="0" err="1">
+                <a:solidFill>
+                  <a:schemeClr val="accent2"/>
+                </a:solidFill>
+                <a:sym typeface="Wingdings" panose="05000000000000000000" pitchFamily="2" charset="2"/>
+              </a:rPr>
+              <a:t>구성속성</a:t>
+            </a:r>
+            <a:r>
+              <a:rPr lang="en-US" altLang="ko-KR" sz="1800" b="1" dirty="0">
+                <a:solidFill>
+                  <a:schemeClr val="accent2"/>
+                </a:solidFill>
+                <a:sym typeface="Wingdings" panose="05000000000000000000" pitchFamily="2" charset="2"/>
+              </a:rPr>
+              <a:t>/ C/C++/ </a:t>
             </a:r>
             <a:r>
               <a:rPr lang="ko-KR" altLang="en-US" sz="1800" b="1" dirty="0">
                 <a:solidFill>
                   <a:schemeClr val="accent2"/>
                 </a:solidFill>
-              </a:rPr>
-              <a:t>입력</a:t>
+                <a:sym typeface="Wingdings" panose="05000000000000000000" pitchFamily="2" charset="2"/>
+              </a:rPr>
+              <a:t>일반 </a:t>
             </a:r>
             <a:r>
               <a:rPr lang="en-US" altLang="ko-KR" sz="1800" b="1" dirty="0">
@@ -16598,7 +17191,7 @@
                 </a:solidFill>
                 <a:sym typeface="Wingdings" panose="05000000000000000000" pitchFamily="2" charset="2"/>
               </a:rPr>
-              <a:t>추가 종속성</a:t>
+              <a:t>추가포함디렉터리 </a:t>
             </a:r>
             <a:r>
               <a:rPr lang="en-US" altLang="ko-KR" sz="1800" b="1" dirty="0">
@@ -16607,7 +17200,7 @@
                 </a:solidFill>
                 <a:sym typeface="Wingdings" panose="05000000000000000000" pitchFamily="2" charset="2"/>
               </a:rPr>
-              <a:t> python37.lib </a:t>
+              <a:t> C:\Python37\include </a:t>
             </a:r>
             <a:r>
               <a:rPr lang="ko-KR" altLang="en-US" sz="1800" b="1" dirty="0">
@@ -16974,23 +17567,18 @@
         </p:blipFill>
         <p:spPr>
           <a:xfrm>
-            <a:off x="1142284" y="2086408"/>
-            <a:ext cx="6492719" cy="3936142"/>
+            <a:off x="1549267" y="2070742"/>
+            <a:ext cx="6377121" cy="3880796"/>
           </a:xfrm>
           <a:prstGeom prst="rect">
             <a:avLst/>
           </a:prstGeom>
-          <a:ln>
-            <a:solidFill>
-              <a:schemeClr val="tx1"/>
-            </a:solidFill>
-          </a:ln>
         </p:spPr>
       </p:pic>
     </p:spTree>
     <p:extLst>
       <p:ext uri="{BB962C8B-B14F-4D97-AF65-F5344CB8AC3E}">
-        <p14:creationId xmlns:p14="http://schemas.microsoft.com/office/powerpoint/2010/main" val="2868374683"/>
+        <p14:creationId xmlns:p14="http://schemas.microsoft.com/office/powerpoint/2010/main" val="671921215"/>
       </p:ext>
     </p:extLst>
   </p:cSld>
@@ -17291,7 +17879,7 @@
                   <a:schemeClr val="accent2"/>
                 </a:solidFill>
               </a:rPr>
-              <a:t>7. </a:t>
+              <a:t>5. </a:t>
             </a:r>
             <a:r>
               <a:rPr lang="ko-KR" altLang="en-US" sz="1800" b="1" dirty="0" err="1">
@@ -17318,20 +17906,30 @@
               <a:t>/ </a:t>
             </a:r>
             <a:r>
-              <a:rPr lang="ko-KR" altLang="en-US" sz="1800" b="1" dirty="0" err="1">
+              <a:rPr lang="ko-KR" altLang="en-US" sz="1800" b="1" dirty="0">
                 <a:solidFill>
                   <a:schemeClr val="accent2"/>
                 </a:solidFill>
               </a:rPr>
-              <a:t>명령줄</a:t>
+              <a:t>일반</a:t>
+            </a:r>
+            <a:r>
+              <a:rPr lang="en-US" altLang="ko-KR" sz="1800" b="1" dirty="0">
+                <a:solidFill>
+                  <a:schemeClr val="accent2"/>
+                </a:solidFill>
+                <a:sym typeface="Wingdings" panose="05000000000000000000" pitchFamily="2" charset="2"/>
+              </a:rPr>
+              <a:t> </a:t>
             </a:r>
             <a:r>
               <a:rPr lang="ko-KR" altLang="en-US" sz="1800" b="1" dirty="0">
                 <a:solidFill>
                   <a:schemeClr val="accent2"/>
                 </a:solidFill>
-              </a:rPr>
-              <a:t> </a:t>
+                <a:sym typeface="Wingdings" panose="05000000000000000000" pitchFamily="2" charset="2"/>
+              </a:rPr>
+              <a:t>추가라이브러리 디렉터리</a:t>
             </a:r>
             <a:r>
               <a:rPr lang="en-US" altLang="ko-KR" sz="1800" b="1" dirty="0">
@@ -17340,43 +17938,7 @@
                 </a:solidFill>
                 <a:sym typeface="Wingdings" panose="05000000000000000000" pitchFamily="2" charset="2"/>
               </a:rPr>
-              <a:t> </a:t>
-            </a:r>
-            <a:r>
-              <a:rPr lang="ko-KR" altLang="en-US" sz="1800" b="1" dirty="0">
-                <a:solidFill>
-                  <a:schemeClr val="accent2"/>
-                </a:solidFill>
-                <a:sym typeface="Wingdings" panose="05000000000000000000" pitchFamily="2" charset="2"/>
-              </a:rPr>
-              <a:t>하단의 추가 옵션</a:t>
-            </a:r>
-            <a:r>
-              <a:rPr lang="en-US" altLang="ko-KR" sz="1800" b="1" dirty="0">
-                <a:solidFill>
-                  <a:schemeClr val="accent2"/>
-                </a:solidFill>
-                <a:sym typeface="Wingdings" panose="05000000000000000000" pitchFamily="2" charset="2"/>
-              </a:rPr>
-              <a:t> /</a:t>
-            </a:r>
-            <a:r>
-              <a:rPr lang="en-US" altLang="ko-KR" sz="1800" b="1" dirty="0" err="1">
-                <a:solidFill>
-                  <a:schemeClr val="accent2"/>
-                </a:solidFill>
-                <a:sym typeface="Wingdings" panose="05000000000000000000" pitchFamily="2" charset="2"/>
-              </a:rPr>
-              <a:t>export:PyInit_spam</a:t>
-            </a:r>
-            <a:r>
-              <a:rPr lang="en-US" altLang="ko-KR" sz="1800" b="1" dirty="0">
-                <a:solidFill>
-                  <a:schemeClr val="accent2"/>
-                </a:solidFill>
-                <a:sym typeface="Wingdings" panose="05000000000000000000" pitchFamily="2" charset="2"/>
-              </a:rPr>
-              <a:t> </a:t>
+              <a:t> C:\Python37\libs </a:t>
             </a:r>
             <a:r>
               <a:rPr lang="ko-KR" altLang="en-US" sz="1800" b="1" dirty="0">
@@ -17743,18 +18305,23 @@
         </p:blipFill>
         <p:spPr>
           <a:xfrm>
-            <a:off x="996202" y="1970088"/>
-            <a:ext cx="6970622" cy="4175266"/>
+            <a:off x="1332405" y="1970088"/>
+            <a:ext cx="6400620" cy="3774586"/>
           </a:xfrm>
           <a:prstGeom prst="rect">
             <a:avLst/>
           </a:prstGeom>
+          <a:ln>
+            <a:solidFill>
+              <a:schemeClr val="tx1"/>
+            </a:solidFill>
+          </a:ln>
         </p:spPr>
       </p:pic>
     </p:spTree>
     <p:extLst>
       <p:ext uri="{BB962C8B-B14F-4D97-AF65-F5344CB8AC3E}">
-        <p14:creationId xmlns:p14="http://schemas.microsoft.com/office/powerpoint/2010/main" val="1423093704"/>
+        <p14:creationId xmlns:p14="http://schemas.microsoft.com/office/powerpoint/2010/main" val="2935278896"/>
       </p:ext>
     </p:extLst>
   </p:cSld>
@@ -18055,7 +18622,7 @@
                   <a:schemeClr val="accent2"/>
                 </a:solidFill>
               </a:rPr>
-              <a:t>8. </a:t>
+              <a:t>6. </a:t>
             </a:r>
             <a:r>
               <a:rPr lang="ko-KR" altLang="en-US" sz="1800" b="1" dirty="0" err="1">
@@ -18087,7 +18654,7 @@
                   <a:schemeClr val="accent2"/>
                 </a:solidFill>
               </a:rPr>
-              <a:t>일반 </a:t>
+              <a:t>입력</a:t>
             </a:r>
             <a:r>
               <a:rPr lang="en-US" altLang="ko-KR" sz="1800" b="1" dirty="0">
@@ -18105,7 +18672,7 @@
                 </a:solidFill>
                 <a:sym typeface="Wingdings" panose="05000000000000000000" pitchFamily="2" charset="2"/>
               </a:rPr>
-              <a:t>출력 파일 </a:t>
+              <a:t>추가 종속성</a:t>
             </a:r>
             <a:r>
               <a:rPr lang="en-US" altLang="ko-KR" sz="1800" b="1" dirty="0">
@@ -18114,52 +18681,16 @@
                 </a:solidFill>
                 <a:sym typeface="Wingdings" panose="05000000000000000000" pitchFamily="2" charset="2"/>
               </a:rPr>
-              <a:t> $(</a:t>
-            </a:r>
-            <a:r>
-              <a:rPr lang="en-US" altLang="ko-KR" sz="1800" b="1" dirty="0" err="1">
+              <a:t> python37.lib </a:t>
+            </a:r>
+            <a:r>
+              <a:rPr lang="ko-KR" altLang="en-US" sz="1800" b="1" dirty="0">
                 <a:solidFill>
                   <a:schemeClr val="accent2"/>
                 </a:solidFill>
                 <a:sym typeface="Wingdings" panose="05000000000000000000" pitchFamily="2" charset="2"/>
               </a:rPr>
-              <a:t>OutDir</a:t>
-            </a:r>
-            <a:r>
-              <a:rPr lang="en-US" altLang="ko-KR" sz="1800" b="1" dirty="0">
-                <a:solidFill>
-                  <a:schemeClr val="accent2"/>
-                </a:solidFill>
-                <a:sym typeface="Wingdings" panose="05000000000000000000" pitchFamily="2" charset="2"/>
-              </a:rPr>
-              <a:t>)\</a:t>
-            </a:r>
-            <a:r>
-              <a:rPr lang="en-US" altLang="ko-KR" sz="1800" b="1" dirty="0" err="1">
-                <a:solidFill>
-                  <a:schemeClr val="accent2"/>
-                </a:solidFill>
-                <a:sym typeface="Wingdings" panose="05000000000000000000" pitchFamily="2" charset="2"/>
-              </a:rPr>
-              <a:t>spam.pyd</a:t>
-            </a:r>
-            <a:r>
-              <a:rPr lang="en-US" altLang="ko-KR" sz="1800" b="1" dirty="0">
-                <a:solidFill>
-                  <a:schemeClr val="accent2"/>
-                </a:solidFill>
-                <a:sym typeface="Wingdings" panose="05000000000000000000" pitchFamily="2" charset="2"/>
-              </a:rPr>
-              <a:t> </a:t>
-            </a:r>
-            <a:r>
-              <a:rPr lang="ko-KR" altLang="en-US" sz="1800" b="1" dirty="0">
-                <a:solidFill>
-                  <a:schemeClr val="accent2"/>
-                </a:solidFill>
-                <a:sym typeface="Wingdings" panose="05000000000000000000" pitchFamily="2" charset="2"/>
-              </a:rPr>
-              <a:t>로 변경</a:t>
+              <a:t>입력</a:t>
             </a:r>
             <a:endParaRPr lang="en-US" altLang="ko-KR" sz="1800" b="1" dirty="0">
               <a:solidFill>
@@ -18503,7 +19034,7 @@
       </p:sp>
       <p:pic>
         <p:nvPicPr>
-          <p:cNvPr id="5" name="그림 4"/>
+          <p:cNvPr id="3" name="그림 2"/>
           <p:cNvPicPr>
             <a:picLocks noChangeAspect="1"/>
           </p:cNvPicPr>
@@ -18517,8 +19048,8 @@
         </p:blipFill>
         <p:spPr>
           <a:xfrm>
-            <a:off x="1088264" y="1709590"/>
-            <a:ext cx="7259461" cy="4430860"/>
+            <a:off x="1142284" y="2086408"/>
+            <a:ext cx="6492719" cy="3936142"/>
           </a:xfrm>
           <a:prstGeom prst="rect">
             <a:avLst/>
@@ -18533,7 +19064,7 @@
     </p:spTree>
     <p:extLst>
       <p:ext uri="{BB962C8B-B14F-4D97-AF65-F5344CB8AC3E}">
-        <p14:creationId xmlns:p14="http://schemas.microsoft.com/office/powerpoint/2010/main" val="872822488"/>
+        <p14:creationId xmlns:p14="http://schemas.microsoft.com/office/powerpoint/2010/main" val="2868374683"/>
       </p:ext>
     </p:extLst>
   </p:cSld>
@@ -19275,7 +19806,15 @@
                   <a:schemeClr val="accent2"/>
                 </a:solidFill>
               </a:rPr>
-              <a:t>9. </a:t>
+              <a:t>7. </a:t>
+            </a:r>
+            <a:r>
+              <a:rPr lang="ko-KR" altLang="en-US" sz="1800" b="1" dirty="0" err="1">
+                <a:solidFill>
+                  <a:schemeClr val="accent2"/>
+                </a:solidFill>
+              </a:rPr>
+              <a:t>링커</a:t>
             </a:r>
             <a:r>
               <a:rPr lang="ko-KR" altLang="en-US" sz="1800" b="1" dirty="0">
@@ -19283,13 +19822,37 @@
                   <a:schemeClr val="accent2"/>
                 </a:solidFill>
               </a:rPr>
-              <a:t>빌드 </a:t>
+              <a:t> </a:t>
             </a:r>
             <a:r>
               <a:rPr lang="en-US" altLang="ko-KR" sz="1800" b="1" dirty="0">
                 <a:solidFill>
                   <a:schemeClr val="accent2"/>
                 </a:solidFill>
+              </a:rPr>
+              <a:t>/ </a:t>
+            </a:r>
+            <a:r>
+              <a:rPr lang="ko-KR" altLang="en-US" sz="1800" b="1" dirty="0" err="1">
+                <a:solidFill>
+                  <a:schemeClr val="accent2"/>
+                </a:solidFill>
+              </a:rPr>
+              <a:t>명령줄</a:t>
+            </a:r>
+            <a:r>
+              <a:rPr lang="ko-KR" altLang="en-US" sz="1800" b="1" dirty="0">
+                <a:solidFill>
+                  <a:schemeClr val="accent2"/>
+                </a:solidFill>
+              </a:rPr>
+              <a:t> </a:t>
+            </a:r>
+            <a:r>
+              <a:rPr lang="en-US" altLang="ko-KR" sz="1800" b="1" dirty="0">
+                <a:solidFill>
+                  <a:schemeClr val="accent2"/>
+                </a:solidFill>
                 <a:sym typeface="Wingdings" panose="05000000000000000000" pitchFamily="2" charset="2"/>
               </a:rPr>
               <a:t> </a:t>
@@ -19301,7 +19864,43 @@
                 </a:solidFill>
                 <a:sym typeface="Wingdings" panose="05000000000000000000" pitchFamily="2" charset="2"/>
               </a:rPr>
-              <a:t>솔루션 빌드 수행</a:t>
+              <a:t>하단의 추가 옵션</a:t>
+            </a:r>
+            <a:r>
+              <a:rPr lang="en-US" altLang="ko-KR" sz="1800" b="1" dirty="0">
+                <a:solidFill>
+                  <a:schemeClr val="accent2"/>
+                </a:solidFill>
+                <a:sym typeface="Wingdings" panose="05000000000000000000" pitchFamily="2" charset="2"/>
+              </a:rPr>
+              <a:t> /</a:t>
+            </a:r>
+            <a:r>
+              <a:rPr lang="en-US" altLang="ko-KR" sz="1800" b="1" dirty="0" err="1">
+                <a:solidFill>
+                  <a:schemeClr val="accent2"/>
+                </a:solidFill>
+                <a:sym typeface="Wingdings" panose="05000000000000000000" pitchFamily="2" charset="2"/>
+              </a:rPr>
+              <a:t>export:PyInit_spam</a:t>
+            </a:r>
+            <a:r>
+              <a:rPr lang="en-US" altLang="ko-KR" sz="1800" b="1" dirty="0">
+                <a:solidFill>
+                  <a:schemeClr val="accent2"/>
+                </a:solidFill>
+                <a:sym typeface="Wingdings" panose="05000000000000000000" pitchFamily="2" charset="2"/>
+              </a:rPr>
+              <a:t> </a:t>
+            </a:r>
+            <a:r>
+              <a:rPr lang="ko-KR" altLang="en-US" sz="1800" b="1" dirty="0">
+                <a:solidFill>
+                  <a:schemeClr val="accent2"/>
+                </a:solidFill>
+                <a:sym typeface="Wingdings" panose="05000000000000000000" pitchFamily="2" charset="2"/>
+              </a:rPr>
+              <a:t>입력</a:t>
             </a:r>
             <a:endParaRPr lang="en-US" altLang="ko-KR" sz="1800" b="1" dirty="0">
               <a:solidFill>
@@ -19451,6 +20050,1481 @@
                 <a:defRPr/>
               </a:pPr>
               <a:t>20</a:t>
+            </a:fld>
+            <a:endParaRPr lang="en-US" altLang="ko-KR" sz="1400" dirty="0"/>
+          </a:p>
+        </p:txBody>
+      </p:sp>
+      <p:sp>
+        <p:nvSpPr>
+          <p:cNvPr id="25606" name="TextBox 4"/>
+          <p:cNvSpPr txBox="1">
+            <a:spLocks noChangeArrowheads="1"/>
+          </p:cNvSpPr>
+          <p:nvPr/>
+        </p:nvSpPr>
+        <p:spPr bwMode="auto">
+          <a:xfrm>
+            <a:off x="4295775" y="1155700"/>
+            <a:ext cx="185738" cy="461963"/>
+          </a:xfrm>
+          <a:prstGeom prst="rect">
+            <a:avLst/>
+          </a:prstGeom>
+          <a:noFill/>
+          <a:ln>
+            <a:noFill/>
+          </a:ln>
+          <a:extLst>
+            <a:ext uri="{909E8E84-426E-40DD-AFC4-6F175D3DCCD1}">
+              <a14:hiddenFill xmlns:a14="http://schemas.microsoft.com/office/drawing/2010/main">
+                <a:solidFill>
+                  <a:srgbClr val="FFFFFF"/>
+                </a:solidFill>
+              </a14:hiddenFill>
+            </a:ext>
+            <a:ext uri="{91240B29-F687-4F45-9708-019B960494DF}">
+              <a14:hiddenLine xmlns:a14="http://schemas.microsoft.com/office/drawing/2010/main" w="9525">
+                <a:solidFill>
+                  <a:srgbClr val="000000"/>
+                </a:solidFill>
+                <a:miter lim="800000"/>
+                <a:headEnd/>
+                <a:tailEnd/>
+              </a14:hiddenLine>
+            </a:ext>
+          </a:extLst>
+        </p:spPr>
+        <p:txBody>
+          <a:bodyPr wrap="none">
+            <a:spAutoFit/>
+          </a:bodyPr>
+          <a:lstStyle>
+            <a:lvl1pPr latinLnBrk="1">
+              <a:spcBef>
+                <a:spcPct val="20000"/>
+              </a:spcBef>
+              <a:buChar char="•"/>
+              <a:defRPr kumimoji="1" sz="3200">
+                <a:solidFill>
+                  <a:schemeClr val="tx1"/>
+                </a:solidFill>
+                <a:latin typeface="Times New Roman" panose="02020603050405020304" pitchFamily="18" charset="0"/>
+                <a:ea typeface="굴림" panose="020B0600000101010101" pitchFamily="50" charset="-127"/>
+              </a:defRPr>
+            </a:lvl1pPr>
+            <a:lvl2pPr marL="742950" indent="-285750" latinLnBrk="1">
+              <a:spcBef>
+                <a:spcPct val="20000"/>
+              </a:spcBef>
+              <a:buChar char="–"/>
+              <a:defRPr kumimoji="1" sz="2800">
+                <a:solidFill>
+                  <a:schemeClr val="tx1"/>
+                </a:solidFill>
+                <a:latin typeface="Times New Roman" panose="02020603050405020304" pitchFamily="18" charset="0"/>
+                <a:ea typeface="굴림" panose="020B0600000101010101" pitchFamily="50" charset="-127"/>
+              </a:defRPr>
+            </a:lvl2pPr>
+            <a:lvl3pPr marL="1143000" indent="-228600" latinLnBrk="1">
+              <a:spcBef>
+                <a:spcPct val="20000"/>
+              </a:spcBef>
+              <a:buChar char="•"/>
+              <a:defRPr kumimoji="1" sz="2400">
+                <a:solidFill>
+                  <a:schemeClr val="tx1"/>
+                </a:solidFill>
+                <a:latin typeface="Times New Roman" panose="02020603050405020304" pitchFamily="18" charset="0"/>
+                <a:ea typeface="굴림" panose="020B0600000101010101" pitchFamily="50" charset="-127"/>
+              </a:defRPr>
+            </a:lvl3pPr>
+            <a:lvl4pPr marL="1600200" indent="-228600" latinLnBrk="1">
+              <a:spcBef>
+                <a:spcPct val="20000"/>
+              </a:spcBef>
+              <a:buChar char="–"/>
+              <a:defRPr kumimoji="1" sz="2000">
+                <a:solidFill>
+                  <a:schemeClr val="tx1"/>
+                </a:solidFill>
+                <a:latin typeface="Times New Roman" panose="02020603050405020304" pitchFamily="18" charset="0"/>
+                <a:ea typeface="굴림" panose="020B0600000101010101" pitchFamily="50" charset="-127"/>
+              </a:defRPr>
+            </a:lvl4pPr>
+            <a:lvl5pPr marL="2057400" indent="-228600" latinLnBrk="1">
+              <a:spcBef>
+                <a:spcPct val="20000"/>
+              </a:spcBef>
+              <a:buChar char="»"/>
+              <a:defRPr kumimoji="1" sz="2000">
+                <a:solidFill>
+                  <a:schemeClr val="tx1"/>
+                </a:solidFill>
+                <a:latin typeface="Times New Roman" panose="02020603050405020304" pitchFamily="18" charset="0"/>
+                <a:ea typeface="굴림" panose="020B0600000101010101" pitchFamily="50" charset="-127"/>
+              </a:defRPr>
+            </a:lvl5pPr>
+            <a:lvl6pPr marL="2514600" indent="-228600" eaLnBrk="0" fontAlgn="base" hangingPunct="0">
+              <a:spcBef>
+                <a:spcPct val="20000"/>
+              </a:spcBef>
+              <a:spcAft>
+                <a:spcPct val="0"/>
+              </a:spcAft>
+              <a:buChar char="»"/>
+              <a:defRPr kumimoji="1" sz="2000">
+                <a:solidFill>
+                  <a:schemeClr val="tx1"/>
+                </a:solidFill>
+                <a:latin typeface="Times New Roman" panose="02020603050405020304" pitchFamily="18" charset="0"/>
+                <a:ea typeface="굴림" panose="020B0600000101010101" pitchFamily="50" charset="-127"/>
+              </a:defRPr>
+            </a:lvl6pPr>
+            <a:lvl7pPr marL="2971800" indent="-228600" eaLnBrk="0" fontAlgn="base" hangingPunct="0">
+              <a:spcBef>
+                <a:spcPct val="20000"/>
+              </a:spcBef>
+              <a:spcAft>
+                <a:spcPct val="0"/>
+              </a:spcAft>
+              <a:buChar char="»"/>
+              <a:defRPr kumimoji="1" sz="2000">
+                <a:solidFill>
+                  <a:schemeClr val="tx1"/>
+                </a:solidFill>
+                <a:latin typeface="Times New Roman" panose="02020603050405020304" pitchFamily="18" charset="0"/>
+                <a:ea typeface="굴림" panose="020B0600000101010101" pitchFamily="50" charset="-127"/>
+              </a:defRPr>
+            </a:lvl7pPr>
+            <a:lvl8pPr marL="3429000" indent="-228600" eaLnBrk="0" fontAlgn="base" hangingPunct="0">
+              <a:spcBef>
+                <a:spcPct val="20000"/>
+              </a:spcBef>
+              <a:spcAft>
+                <a:spcPct val="0"/>
+              </a:spcAft>
+              <a:buChar char="»"/>
+              <a:defRPr kumimoji="1" sz="2000">
+                <a:solidFill>
+                  <a:schemeClr val="tx1"/>
+                </a:solidFill>
+                <a:latin typeface="Times New Roman" panose="02020603050405020304" pitchFamily="18" charset="0"/>
+                <a:ea typeface="굴림" panose="020B0600000101010101" pitchFamily="50" charset="-127"/>
+              </a:defRPr>
+            </a:lvl8pPr>
+            <a:lvl9pPr marL="3886200" indent="-228600" eaLnBrk="0" fontAlgn="base" hangingPunct="0">
+              <a:spcBef>
+                <a:spcPct val="20000"/>
+              </a:spcBef>
+              <a:spcAft>
+                <a:spcPct val="0"/>
+              </a:spcAft>
+              <a:buChar char="»"/>
+              <a:defRPr kumimoji="1" sz="2000">
+                <a:solidFill>
+                  <a:schemeClr val="tx1"/>
+                </a:solidFill>
+                <a:latin typeface="Times New Roman" panose="02020603050405020304" pitchFamily="18" charset="0"/>
+                <a:ea typeface="굴림" panose="020B0600000101010101" pitchFamily="50" charset="-127"/>
+              </a:defRPr>
+            </a:lvl9pPr>
+          </a:lstStyle>
+          <a:p>
+            <a:pPr latinLnBrk="0">
+              <a:spcBef>
+                <a:spcPct val="0"/>
+              </a:spcBef>
+              <a:buFontTx/>
+              <a:buNone/>
+            </a:pPr>
+            <a:endParaRPr kumimoji="0" lang="ko-KR" altLang="en-US" sz="2400"/>
+          </a:p>
+        </p:txBody>
+      </p:sp>
+      <p:pic>
+        <p:nvPicPr>
+          <p:cNvPr id="3" name="그림 2"/>
+          <p:cNvPicPr>
+            <a:picLocks noChangeAspect="1"/>
+          </p:cNvPicPr>
+          <p:nvPr/>
+        </p:nvPicPr>
+        <p:blipFill>
+          <a:blip r:embed="rId3"/>
+          <a:stretch>
+            <a:fillRect/>
+          </a:stretch>
+        </p:blipFill>
+        <p:spPr>
+          <a:xfrm>
+            <a:off x="996202" y="1970088"/>
+            <a:ext cx="6970622" cy="4175266"/>
+          </a:xfrm>
+          <a:prstGeom prst="rect">
+            <a:avLst/>
+          </a:prstGeom>
+        </p:spPr>
+      </p:pic>
+    </p:spTree>
+    <p:extLst>
+      <p:ext uri="{BB962C8B-B14F-4D97-AF65-F5344CB8AC3E}">
+        <p14:creationId xmlns:p14="http://schemas.microsoft.com/office/powerpoint/2010/main" val="1423093704"/>
+      </p:ext>
+    </p:extLst>
+  </p:cSld>
+  <p:clrMapOvr>
+    <a:masterClrMapping/>
+  </p:clrMapOvr>
+</p:sld>
+</file>
+
+<file path=ppt/slides/slide21.xml><?xml version="1.0" encoding="utf-8"?>
+<p:sld xmlns:a="http://schemas.openxmlformats.org/drawingml/2006/main" xmlns:r="http://schemas.openxmlformats.org/officeDocument/2006/relationships" xmlns:p="http://schemas.openxmlformats.org/presentationml/2006/main">
+  <p:cSld>
+    <p:spTree>
+      <p:nvGrpSpPr>
+        <p:cNvPr id="1" name=""/>
+        <p:cNvGrpSpPr/>
+        <p:nvPr/>
+      </p:nvGrpSpPr>
+      <p:grpSpPr>
+        <a:xfrm>
+          <a:off x="0" y="0"/>
+          <a:ext cx="0" cy="0"/>
+          <a:chOff x="0" y="0"/>
+          <a:chExt cx="0" cy="0"/>
+        </a:xfrm>
+      </p:grpSpPr>
+      <p:sp>
+        <p:nvSpPr>
+          <p:cNvPr id="337922" name="Rectangle 2" descr="흰색 대리석"/>
+          <p:cNvSpPr>
+            <a:spLocks noGrp="1" noChangeArrowheads="1"/>
+          </p:cNvSpPr>
+          <p:nvPr>
+            <p:ph type="title"/>
+          </p:nvPr>
+        </p:nvSpPr>
+        <p:spPr>
+          <a:xfrm>
+            <a:off x="153988" y="157163"/>
+            <a:ext cx="7772400" cy="457200"/>
+          </a:xfrm>
+        </p:spPr>
+        <p:txBody>
+          <a:bodyPr/>
+          <a:lstStyle/>
+          <a:p>
+            <a:pPr eaLnBrk="1" hangingPunct="1">
+              <a:defRPr/>
+            </a:pPr>
+            <a:r>
+              <a:rPr lang="ko-KR" altLang="en-US" dirty="0"/>
+              <a:t>간단한 확장 모듈 예제 </a:t>
+            </a:r>
+            <a:r>
+              <a:rPr lang="en-US" altLang="ko-KR" dirty="0"/>
+              <a:t>: </a:t>
+            </a:r>
+            <a:r>
+              <a:rPr lang="ko-KR" altLang="en-US" dirty="0"/>
+              <a:t>확장</a:t>
+            </a:r>
+            <a:r>
+              <a:rPr lang="en-US" altLang="ko-KR" dirty="0"/>
+              <a:t> </a:t>
+            </a:r>
+            <a:r>
+              <a:rPr lang="ko-KR" altLang="en-US" dirty="0"/>
+              <a:t>모듈 </a:t>
+            </a:r>
+            <a:r>
+              <a:rPr lang="en-US" altLang="ko-KR" dirty="0"/>
+              <a:t>spam </a:t>
+            </a:r>
+            <a:r>
+              <a:rPr lang="ko-KR" altLang="en-US" dirty="0"/>
+              <a:t>만들기</a:t>
+            </a:r>
+            <a:endParaRPr lang="en-US" altLang="ko-KR" dirty="0"/>
+          </a:p>
+        </p:txBody>
+      </p:sp>
+      <p:sp>
+        <p:nvSpPr>
+          <p:cNvPr id="25603" name="Rectangle 33"/>
+          <p:cNvSpPr>
+            <a:spLocks noChangeArrowheads="1"/>
+          </p:cNvSpPr>
+          <p:nvPr/>
+        </p:nvSpPr>
+        <p:spPr bwMode="auto">
+          <a:xfrm>
+            <a:off x="266700" y="803275"/>
+            <a:ext cx="8767830" cy="5148263"/>
+          </a:xfrm>
+          <a:prstGeom prst="rect">
+            <a:avLst/>
+          </a:prstGeom>
+          <a:noFill/>
+          <a:ln>
+            <a:noFill/>
+          </a:ln>
+          <a:extLst>
+            <a:ext uri="{909E8E84-426E-40DD-AFC4-6F175D3DCCD1}">
+              <a14:hiddenFill xmlns:a14="http://schemas.microsoft.com/office/drawing/2010/main">
+                <a:solidFill>
+                  <a:srgbClr val="FFFFFF"/>
+                </a:solidFill>
+              </a14:hiddenFill>
+            </a:ext>
+            <a:ext uri="{91240B29-F687-4F45-9708-019B960494DF}">
+              <a14:hiddenLine xmlns:a14="http://schemas.microsoft.com/office/drawing/2010/main" w="9525">
+                <a:solidFill>
+                  <a:srgbClr val="000000"/>
+                </a:solidFill>
+                <a:miter lim="800000"/>
+                <a:headEnd/>
+                <a:tailEnd/>
+              </a14:hiddenLine>
+            </a:ext>
+          </a:extLst>
+        </p:spPr>
+        <p:txBody>
+          <a:bodyPr/>
+          <a:lstStyle>
+            <a:lvl1pPr marL="342900" indent="-342900" latinLnBrk="1">
+              <a:spcBef>
+                <a:spcPct val="20000"/>
+              </a:spcBef>
+              <a:buChar char="•"/>
+              <a:defRPr kumimoji="1" sz="3200">
+                <a:solidFill>
+                  <a:schemeClr val="tx1"/>
+                </a:solidFill>
+                <a:latin typeface="Times New Roman" panose="02020603050405020304" pitchFamily="18" charset="0"/>
+                <a:ea typeface="굴림" panose="020B0600000101010101" pitchFamily="50" charset="-127"/>
+              </a:defRPr>
+            </a:lvl1pPr>
+            <a:lvl2pPr marL="742950" indent="-285750" latinLnBrk="1">
+              <a:spcBef>
+                <a:spcPct val="20000"/>
+              </a:spcBef>
+              <a:buChar char="–"/>
+              <a:defRPr kumimoji="1" sz="2800">
+                <a:solidFill>
+                  <a:schemeClr val="tx1"/>
+                </a:solidFill>
+                <a:latin typeface="Times New Roman" panose="02020603050405020304" pitchFamily="18" charset="0"/>
+                <a:ea typeface="굴림" panose="020B0600000101010101" pitchFamily="50" charset="-127"/>
+              </a:defRPr>
+            </a:lvl2pPr>
+            <a:lvl3pPr marL="1143000" indent="-228600" latinLnBrk="1">
+              <a:spcBef>
+                <a:spcPct val="20000"/>
+              </a:spcBef>
+              <a:buChar char="•"/>
+              <a:defRPr kumimoji="1" sz="2400">
+                <a:solidFill>
+                  <a:schemeClr val="tx1"/>
+                </a:solidFill>
+                <a:latin typeface="Times New Roman" panose="02020603050405020304" pitchFamily="18" charset="0"/>
+                <a:ea typeface="굴림" panose="020B0600000101010101" pitchFamily="50" charset="-127"/>
+              </a:defRPr>
+            </a:lvl3pPr>
+            <a:lvl4pPr marL="1600200" indent="-228600" latinLnBrk="1">
+              <a:spcBef>
+                <a:spcPct val="20000"/>
+              </a:spcBef>
+              <a:buChar char="–"/>
+              <a:defRPr kumimoji="1" sz="2000">
+                <a:solidFill>
+                  <a:schemeClr val="tx1"/>
+                </a:solidFill>
+                <a:latin typeface="Times New Roman" panose="02020603050405020304" pitchFamily="18" charset="0"/>
+                <a:ea typeface="굴림" panose="020B0600000101010101" pitchFamily="50" charset="-127"/>
+              </a:defRPr>
+            </a:lvl4pPr>
+            <a:lvl5pPr marL="2057400" indent="-228600" latinLnBrk="1">
+              <a:spcBef>
+                <a:spcPct val="20000"/>
+              </a:spcBef>
+              <a:buChar char="»"/>
+              <a:defRPr kumimoji="1" sz="2000">
+                <a:solidFill>
+                  <a:schemeClr val="tx1"/>
+                </a:solidFill>
+                <a:latin typeface="Times New Roman" panose="02020603050405020304" pitchFamily="18" charset="0"/>
+                <a:ea typeface="굴림" panose="020B0600000101010101" pitchFamily="50" charset="-127"/>
+              </a:defRPr>
+            </a:lvl5pPr>
+            <a:lvl6pPr marL="2514600" indent="-228600" eaLnBrk="0" fontAlgn="base" hangingPunct="0">
+              <a:spcBef>
+                <a:spcPct val="20000"/>
+              </a:spcBef>
+              <a:spcAft>
+                <a:spcPct val="0"/>
+              </a:spcAft>
+              <a:buChar char="»"/>
+              <a:defRPr kumimoji="1" sz="2000">
+                <a:solidFill>
+                  <a:schemeClr val="tx1"/>
+                </a:solidFill>
+                <a:latin typeface="Times New Roman" panose="02020603050405020304" pitchFamily="18" charset="0"/>
+                <a:ea typeface="굴림" panose="020B0600000101010101" pitchFamily="50" charset="-127"/>
+              </a:defRPr>
+            </a:lvl6pPr>
+            <a:lvl7pPr marL="2971800" indent="-228600" eaLnBrk="0" fontAlgn="base" hangingPunct="0">
+              <a:spcBef>
+                <a:spcPct val="20000"/>
+              </a:spcBef>
+              <a:spcAft>
+                <a:spcPct val="0"/>
+              </a:spcAft>
+              <a:buChar char="»"/>
+              <a:defRPr kumimoji="1" sz="2000">
+                <a:solidFill>
+                  <a:schemeClr val="tx1"/>
+                </a:solidFill>
+                <a:latin typeface="Times New Roman" panose="02020603050405020304" pitchFamily="18" charset="0"/>
+                <a:ea typeface="굴림" panose="020B0600000101010101" pitchFamily="50" charset="-127"/>
+              </a:defRPr>
+            </a:lvl7pPr>
+            <a:lvl8pPr marL="3429000" indent="-228600" eaLnBrk="0" fontAlgn="base" hangingPunct="0">
+              <a:spcBef>
+                <a:spcPct val="20000"/>
+              </a:spcBef>
+              <a:spcAft>
+                <a:spcPct val="0"/>
+              </a:spcAft>
+              <a:buChar char="»"/>
+              <a:defRPr kumimoji="1" sz="2000">
+                <a:solidFill>
+                  <a:schemeClr val="tx1"/>
+                </a:solidFill>
+                <a:latin typeface="Times New Roman" panose="02020603050405020304" pitchFamily="18" charset="0"/>
+                <a:ea typeface="굴림" panose="020B0600000101010101" pitchFamily="50" charset="-127"/>
+              </a:defRPr>
+            </a:lvl8pPr>
+            <a:lvl9pPr marL="3886200" indent="-228600" eaLnBrk="0" fontAlgn="base" hangingPunct="0">
+              <a:spcBef>
+                <a:spcPct val="20000"/>
+              </a:spcBef>
+              <a:spcAft>
+                <a:spcPct val="0"/>
+              </a:spcAft>
+              <a:buChar char="»"/>
+              <a:defRPr kumimoji="1" sz="2000">
+                <a:solidFill>
+                  <a:schemeClr val="tx1"/>
+                </a:solidFill>
+                <a:latin typeface="Times New Roman" panose="02020603050405020304" pitchFamily="18" charset="0"/>
+                <a:ea typeface="굴림" panose="020B0600000101010101" pitchFamily="50" charset="-127"/>
+              </a:defRPr>
+            </a:lvl9pPr>
+          </a:lstStyle>
+          <a:p>
+            <a:pPr lvl="1" eaLnBrk="1" hangingPunct="1">
+              <a:buFont typeface="Wingdings" panose="05000000000000000000" pitchFamily="2" charset="2"/>
+              <a:buChar char="§"/>
+            </a:pPr>
+            <a:r>
+              <a:rPr lang="ko-KR" altLang="en-US" sz="1800" b="1" dirty="0">
+                <a:solidFill>
+                  <a:schemeClr val="accent2"/>
+                </a:solidFill>
+              </a:rPr>
+              <a:t>윈도우 </a:t>
+            </a:r>
+            <a:r>
+              <a:rPr lang="en-US" altLang="ko-KR" sz="1800" b="1" dirty="0">
+                <a:solidFill>
+                  <a:schemeClr val="accent2"/>
+                </a:solidFill>
+              </a:rPr>
+              <a:t>visual studio</a:t>
+            </a:r>
+            <a:r>
+              <a:rPr lang="ko-KR" altLang="en-US" sz="1800" b="1" dirty="0">
+                <a:solidFill>
+                  <a:schemeClr val="accent2"/>
+                </a:solidFill>
+              </a:rPr>
+              <a:t>에서 빌드</a:t>
+            </a:r>
+            <a:endParaRPr lang="en-US" altLang="ko-KR" sz="1800" b="1" dirty="0">
+              <a:solidFill>
+                <a:schemeClr val="accent2"/>
+              </a:solidFill>
+            </a:endParaRPr>
+          </a:p>
+          <a:p>
+            <a:pPr lvl="1" eaLnBrk="1" hangingPunct="1">
+              <a:buFont typeface="Wingdings" panose="05000000000000000000" pitchFamily="2" charset="2"/>
+              <a:buChar char="§"/>
+            </a:pPr>
+            <a:r>
+              <a:rPr lang="en-US" altLang="ko-KR" sz="1800" b="1" dirty="0">
+                <a:solidFill>
+                  <a:schemeClr val="accent2"/>
+                </a:solidFill>
+              </a:rPr>
+              <a:t>8. </a:t>
+            </a:r>
+            <a:r>
+              <a:rPr lang="ko-KR" altLang="en-US" sz="1800" b="1" dirty="0" err="1">
+                <a:solidFill>
+                  <a:schemeClr val="accent2"/>
+                </a:solidFill>
+              </a:rPr>
+              <a:t>링커</a:t>
+            </a:r>
+            <a:r>
+              <a:rPr lang="ko-KR" altLang="en-US" sz="1800" b="1" dirty="0">
+                <a:solidFill>
+                  <a:schemeClr val="accent2"/>
+                </a:solidFill>
+              </a:rPr>
+              <a:t> </a:t>
+            </a:r>
+            <a:r>
+              <a:rPr lang="en-US" altLang="ko-KR" sz="1800" b="1" dirty="0">
+                <a:solidFill>
+                  <a:schemeClr val="accent2"/>
+                </a:solidFill>
+              </a:rPr>
+              <a:t>/ </a:t>
+            </a:r>
+            <a:r>
+              <a:rPr lang="ko-KR" altLang="en-US" sz="1800" b="1" dirty="0">
+                <a:solidFill>
+                  <a:schemeClr val="accent2"/>
+                </a:solidFill>
+              </a:rPr>
+              <a:t>일반 </a:t>
+            </a:r>
+            <a:r>
+              <a:rPr lang="en-US" altLang="ko-KR" sz="1800" b="1" dirty="0">
+                <a:solidFill>
+                  <a:schemeClr val="accent2"/>
+                </a:solidFill>
+                <a:sym typeface="Wingdings" panose="05000000000000000000" pitchFamily="2" charset="2"/>
+              </a:rPr>
+              <a:t> </a:t>
+            </a:r>
+            <a:r>
+              <a:rPr lang="ko-KR" altLang="en-US" sz="1800" b="1" dirty="0">
+                <a:solidFill>
+                  <a:schemeClr val="accent2"/>
+                </a:solidFill>
+                <a:sym typeface="Wingdings" panose="05000000000000000000" pitchFamily="2" charset="2"/>
+              </a:rPr>
+              <a:t>출력 파일 </a:t>
+            </a:r>
+            <a:r>
+              <a:rPr lang="en-US" altLang="ko-KR" sz="1800" b="1" dirty="0">
+                <a:solidFill>
+                  <a:schemeClr val="accent2"/>
+                </a:solidFill>
+                <a:sym typeface="Wingdings" panose="05000000000000000000" pitchFamily="2" charset="2"/>
+              </a:rPr>
+              <a:t> $(</a:t>
+            </a:r>
+            <a:r>
+              <a:rPr lang="en-US" altLang="ko-KR" sz="1800" b="1" dirty="0" err="1">
+                <a:solidFill>
+                  <a:schemeClr val="accent2"/>
+                </a:solidFill>
+                <a:sym typeface="Wingdings" panose="05000000000000000000" pitchFamily="2" charset="2"/>
+              </a:rPr>
+              <a:t>OutDir</a:t>
+            </a:r>
+            <a:r>
+              <a:rPr lang="en-US" altLang="ko-KR" sz="1800" b="1" dirty="0">
+                <a:solidFill>
+                  <a:schemeClr val="accent2"/>
+                </a:solidFill>
+                <a:sym typeface="Wingdings" panose="05000000000000000000" pitchFamily="2" charset="2"/>
+              </a:rPr>
+              <a:t>)\</a:t>
+            </a:r>
+            <a:r>
+              <a:rPr lang="en-US" altLang="ko-KR" sz="1800" b="1" dirty="0" err="1">
+                <a:solidFill>
+                  <a:schemeClr val="accent2"/>
+                </a:solidFill>
+                <a:sym typeface="Wingdings" panose="05000000000000000000" pitchFamily="2" charset="2"/>
+              </a:rPr>
+              <a:t>spam.pyd</a:t>
+            </a:r>
+            <a:r>
+              <a:rPr lang="en-US" altLang="ko-KR" sz="1800" b="1" dirty="0">
+                <a:solidFill>
+                  <a:schemeClr val="accent2"/>
+                </a:solidFill>
+                <a:sym typeface="Wingdings" panose="05000000000000000000" pitchFamily="2" charset="2"/>
+              </a:rPr>
+              <a:t> </a:t>
+            </a:r>
+            <a:r>
+              <a:rPr lang="ko-KR" altLang="en-US" sz="1800" b="1" dirty="0">
+                <a:solidFill>
+                  <a:schemeClr val="accent2"/>
+                </a:solidFill>
+                <a:sym typeface="Wingdings" panose="05000000000000000000" pitchFamily="2" charset="2"/>
+              </a:rPr>
+              <a:t>로 변경</a:t>
+            </a:r>
+            <a:endParaRPr lang="en-US" altLang="ko-KR" sz="1800" b="1" dirty="0">
+              <a:solidFill>
+                <a:schemeClr val="accent2"/>
+              </a:solidFill>
+            </a:endParaRPr>
+          </a:p>
+        </p:txBody>
+      </p:sp>
+      <p:sp>
+        <p:nvSpPr>
+          <p:cNvPr id="8" name="슬라이드 번호 개체 틀 7"/>
+          <p:cNvSpPr>
+            <a:spLocks noGrp="1"/>
+          </p:cNvSpPr>
+          <p:nvPr>
+            <p:ph type="sldNum" sz="quarter" idx="10"/>
+          </p:nvPr>
+        </p:nvSpPr>
+        <p:spPr/>
+        <p:txBody>
+          <a:bodyPr/>
+          <a:lstStyle>
+            <a:lvl1pPr eaLnBrk="0" hangingPunct="0">
+              <a:defRPr kumimoji="1" sz="2400">
+                <a:solidFill>
+                  <a:schemeClr val="tx1"/>
+                </a:solidFill>
+                <a:latin typeface="Times New Roman" panose="02020603050405020304" pitchFamily="18" charset="0"/>
+                <a:ea typeface="굴림" panose="020B0600000101010101" pitchFamily="50" charset="-127"/>
+              </a:defRPr>
+            </a:lvl1pPr>
+            <a:lvl2pPr marL="742950" indent="-285750" eaLnBrk="0" hangingPunct="0">
+              <a:defRPr kumimoji="1" sz="2400">
+                <a:solidFill>
+                  <a:schemeClr val="tx1"/>
+                </a:solidFill>
+                <a:latin typeface="Times New Roman" panose="02020603050405020304" pitchFamily="18" charset="0"/>
+                <a:ea typeface="굴림" panose="020B0600000101010101" pitchFamily="50" charset="-127"/>
+              </a:defRPr>
+            </a:lvl2pPr>
+            <a:lvl3pPr marL="1143000" indent="-228600" eaLnBrk="0" hangingPunct="0">
+              <a:defRPr kumimoji="1" sz="2400">
+                <a:solidFill>
+                  <a:schemeClr val="tx1"/>
+                </a:solidFill>
+                <a:latin typeface="Times New Roman" panose="02020603050405020304" pitchFamily="18" charset="0"/>
+                <a:ea typeface="굴림" panose="020B0600000101010101" pitchFamily="50" charset="-127"/>
+              </a:defRPr>
+            </a:lvl3pPr>
+            <a:lvl4pPr marL="1600200" indent="-228600" eaLnBrk="0" hangingPunct="0">
+              <a:defRPr kumimoji="1" sz="2400">
+                <a:solidFill>
+                  <a:schemeClr val="tx1"/>
+                </a:solidFill>
+                <a:latin typeface="Times New Roman" panose="02020603050405020304" pitchFamily="18" charset="0"/>
+                <a:ea typeface="굴림" panose="020B0600000101010101" pitchFamily="50" charset="-127"/>
+              </a:defRPr>
+            </a:lvl4pPr>
+            <a:lvl5pPr marL="2057400" indent="-228600" eaLnBrk="0" hangingPunct="0">
+              <a:defRPr kumimoji="1" sz="2400">
+                <a:solidFill>
+                  <a:schemeClr val="tx1"/>
+                </a:solidFill>
+                <a:latin typeface="Times New Roman" panose="02020603050405020304" pitchFamily="18" charset="0"/>
+                <a:ea typeface="굴림" panose="020B0600000101010101" pitchFamily="50" charset="-127"/>
+              </a:defRPr>
+            </a:lvl5pPr>
+            <a:lvl6pPr marL="2514600" indent="-228600" eaLnBrk="0" fontAlgn="base" hangingPunct="0">
+              <a:spcBef>
+                <a:spcPct val="0"/>
+              </a:spcBef>
+              <a:spcAft>
+                <a:spcPct val="0"/>
+              </a:spcAft>
+              <a:defRPr kumimoji="1" sz="2400">
+                <a:solidFill>
+                  <a:schemeClr val="tx1"/>
+                </a:solidFill>
+                <a:latin typeface="Times New Roman" panose="02020603050405020304" pitchFamily="18" charset="0"/>
+                <a:ea typeface="굴림" panose="020B0600000101010101" pitchFamily="50" charset="-127"/>
+              </a:defRPr>
+            </a:lvl6pPr>
+            <a:lvl7pPr marL="2971800" indent="-228600" eaLnBrk="0" fontAlgn="base" hangingPunct="0">
+              <a:spcBef>
+                <a:spcPct val="0"/>
+              </a:spcBef>
+              <a:spcAft>
+                <a:spcPct val="0"/>
+              </a:spcAft>
+              <a:defRPr kumimoji="1" sz="2400">
+                <a:solidFill>
+                  <a:schemeClr val="tx1"/>
+                </a:solidFill>
+                <a:latin typeface="Times New Roman" panose="02020603050405020304" pitchFamily="18" charset="0"/>
+                <a:ea typeface="굴림" panose="020B0600000101010101" pitchFamily="50" charset="-127"/>
+              </a:defRPr>
+            </a:lvl7pPr>
+            <a:lvl8pPr marL="3429000" indent="-228600" eaLnBrk="0" fontAlgn="base" hangingPunct="0">
+              <a:spcBef>
+                <a:spcPct val="0"/>
+              </a:spcBef>
+              <a:spcAft>
+                <a:spcPct val="0"/>
+              </a:spcAft>
+              <a:defRPr kumimoji="1" sz="2400">
+                <a:solidFill>
+                  <a:schemeClr val="tx1"/>
+                </a:solidFill>
+                <a:latin typeface="Times New Roman" panose="02020603050405020304" pitchFamily="18" charset="0"/>
+                <a:ea typeface="굴림" panose="020B0600000101010101" pitchFamily="50" charset="-127"/>
+              </a:defRPr>
+            </a:lvl8pPr>
+            <a:lvl9pPr marL="3886200" indent="-228600" eaLnBrk="0" fontAlgn="base" hangingPunct="0">
+              <a:spcBef>
+                <a:spcPct val="0"/>
+              </a:spcBef>
+              <a:spcAft>
+                <a:spcPct val="0"/>
+              </a:spcAft>
+              <a:defRPr kumimoji="1" sz="2400">
+                <a:solidFill>
+                  <a:schemeClr val="tx1"/>
+                </a:solidFill>
+                <a:latin typeface="Times New Roman" panose="02020603050405020304" pitchFamily="18" charset="0"/>
+                <a:ea typeface="굴림" panose="020B0600000101010101" pitchFamily="50" charset="-127"/>
+              </a:defRPr>
+            </a:lvl9pPr>
+          </a:lstStyle>
+          <a:p>
+            <a:pPr eaLnBrk="1" hangingPunct="1">
+              <a:defRPr/>
+            </a:pPr>
+            <a:r>
+              <a:rPr lang="en-US" altLang="ko-KR" sz="1200" dirty="0"/>
+              <a:t> 9-</a:t>
+            </a:r>
+            <a:fld id="{E543E660-5BD7-4DE8-B2D5-3B53773227AF}" type="slidenum">
+              <a:rPr lang="en-US" altLang="ko-KR" sz="1200" smtClean="0">
+                <a:effectLst>
+                  <a:outerShdw blurRad="38100" dist="38100" dir="2700000" algn="tl">
+                    <a:srgbClr val="C0C0C0"/>
+                  </a:outerShdw>
+                </a:effectLst>
+              </a:rPr>
+              <a:pPr eaLnBrk="1" hangingPunct="1">
+                <a:defRPr/>
+              </a:pPr>
+              <a:t>21</a:t>
+            </a:fld>
+            <a:endParaRPr lang="en-US" altLang="ko-KR" sz="1400" dirty="0"/>
+          </a:p>
+        </p:txBody>
+      </p:sp>
+      <p:sp>
+        <p:nvSpPr>
+          <p:cNvPr id="25606" name="TextBox 4"/>
+          <p:cNvSpPr txBox="1">
+            <a:spLocks noChangeArrowheads="1"/>
+          </p:cNvSpPr>
+          <p:nvPr/>
+        </p:nvSpPr>
+        <p:spPr bwMode="auto">
+          <a:xfrm>
+            <a:off x="4295775" y="1155700"/>
+            <a:ext cx="185738" cy="461963"/>
+          </a:xfrm>
+          <a:prstGeom prst="rect">
+            <a:avLst/>
+          </a:prstGeom>
+          <a:noFill/>
+          <a:ln>
+            <a:noFill/>
+          </a:ln>
+          <a:extLst>
+            <a:ext uri="{909E8E84-426E-40DD-AFC4-6F175D3DCCD1}">
+              <a14:hiddenFill xmlns:a14="http://schemas.microsoft.com/office/drawing/2010/main">
+                <a:solidFill>
+                  <a:srgbClr val="FFFFFF"/>
+                </a:solidFill>
+              </a14:hiddenFill>
+            </a:ext>
+            <a:ext uri="{91240B29-F687-4F45-9708-019B960494DF}">
+              <a14:hiddenLine xmlns:a14="http://schemas.microsoft.com/office/drawing/2010/main" w="9525">
+                <a:solidFill>
+                  <a:srgbClr val="000000"/>
+                </a:solidFill>
+                <a:miter lim="800000"/>
+                <a:headEnd/>
+                <a:tailEnd/>
+              </a14:hiddenLine>
+            </a:ext>
+          </a:extLst>
+        </p:spPr>
+        <p:txBody>
+          <a:bodyPr wrap="none">
+            <a:spAutoFit/>
+          </a:bodyPr>
+          <a:lstStyle>
+            <a:lvl1pPr latinLnBrk="1">
+              <a:spcBef>
+                <a:spcPct val="20000"/>
+              </a:spcBef>
+              <a:buChar char="•"/>
+              <a:defRPr kumimoji="1" sz="3200">
+                <a:solidFill>
+                  <a:schemeClr val="tx1"/>
+                </a:solidFill>
+                <a:latin typeface="Times New Roman" panose="02020603050405020304" pitchFamily="18" charset="0"/>
+                <a:ea typeface="굴림" panose="020B0600000101010101" pitchFamily="50" charset="-127"/>
+              </a:defRPr>
+            </a:lvl1pPr>
+            <a:lvl2pPr marL="742950" indent="-285750" latinLnBrk="1">
+              <a:spcBef>
+                <a:spcPct val="20000"/>
+              </a:spcBef>
+              <a:buChar char="–"/>
+              <a:defRPr kumimoji="1" sz="2800">
+                <a:solidFill>
+                  <a:schemeClr val="tx1"/>
+                </a:solidFill>
+                <a:latin typeface="Times New Roman" panose="02020603050405020304" pitchFamily="18" charset="0"/>
+                <a:ea typeface="굴림" panose="020B0600000101010101" pitchFamily="50" charset="-127"/>
+              </a:defRPr>
+            </a:lvl2pPr>
+            <a:lvl3pPr marL="1143000" indent="-228600" latinLnBrk="1">
+              <a:spcBef>
+                <a:spcPct val="20000"/>
+              </a:spcBef>
+              <a:buChar char="•"/>
+              <a:defRPr kumimoji="1" sz="2400">
+                <a:solidFill>
+                  <a:schemeClr val="tx1"/>
+                </a:solidFill>
+                <a:latin typeface="Times New Roman" panose="02020603050405020304" pitchFamily="18" charset="0"/>
+                <a:ea typeface="굴림" panose="020B0600000101010101" pitchFamily="50" charset="-127"/>
+              </a:defRPr>
+            </a:lvl3pPr>
+            <a:lvl4pPr marL="1600200" indent="-228600" latinLnBrk="1">
+              <a:spcBef>
+                <a:spcPct val="20000"/>
+              </a:spcBef>
+              <a:buChar char="–"/>
+              <a:defRPr kumimoji="1" sz="2000">
+                <a:solidFill>
+                  <a:schemeClr val="tx1"/>
+                </a:solidFill>
+                <a:latin typeface="Times New Roman" panose="02020603050405020304" pitchFamily="18" charset="0"/>
+                <a:ea typeface="굴림" panose="020B0600000101010101" pitchFamily="50" charset="-127"/>
+              </a:defRPr>
+            </a:lvl4pPr>
+            <a:lvl5pPr marL="2057400" indent="-228600" latinLnBrk="1">
+              <a:spcBef>
+                <a:spcPct val="20000"/>
+              </a:spcBef>
+              <a:buChar char="»"/>
+              <a:defRPr kumimoji="1" sz="2000">
+                <a:solidFill>
+                  <a:schemeClr val="tx1"/>
+                </a:solidFill>
+                <a:latin typeface="Times New Roman" panose="02020603050405020304" pitchFamily="18" charset="0"/>
+                <a:ea typeface="굴림" panose="020B0600000101010101" pitchFamily="50" charset="-127"/>
+              </a:defRPr>
+            </a:lvl5pPr>
+            <a:lvl6pPr marL="2514600" indent="-228600" eaLnBrk="0" fontAlgn="base" hangingPunct="0">
+              <a:spcBef>
+                <a:spcPct val="20000"/>
+              </a:spcBef>
+              <a:spcAft>
+                <a:spcPct val="0"/>
+              </a:spcAft>
+              <a:buChar char="»"/>
+              <a:defRPr kumimoji="1" sz="2000">
+                <a:solidFill>
+                  <a:schemeClr val="tx1"/>
+                </a:solidFill>
+                <a:latin typeface="Times New Roman" panose="02020603050405020304" pitchFamily="18" charset="0"/>
+                <a:ea typeface="굴림" panose="020B0600000101010101" pitchFamily="50" charset="-127"/>
+              </a:defRPr>
+            </a:lvl6pPr>
+            <a:lvl7pPr marL="2971800" indent="-228600" eaLnBrk="0" fontAlgn="base" hangingPunct="0">
+              <a:spcBef>
+                <a:spcPct val="20000"/>
+              </a:spcBef>
+              <a:spcAft>
+                <a:spcPct val="0"/>
+              </a:spcAft>
+              <a:buChar char="»"/>
+              <a:defRPr kumimoji="1" sz="2000">
+                <a:solidFill>
+                  <a:schemeClr val="tx1"/>
+                </a:solidFill>
+                <a:latin typeface="Times New Roman" panose="02020603050405020304" pitchFamily="18" charset="0"/>
+                <a:ea typeface="굴림" panose="020B0600000101010101" pitchFamily="50" charset="-127"/>
+              </a:defRPr>
+            </a:lvl7pPr>
+            <a:lvl8pPr marL="3429000" indent="-228600" eaLnBrk="0" fontAlgn="base" hangingPunct="0">
+              <a:spcBef>
+                <a:spcPct val="20000"/>
+              </a:spcBef>
+              <a:spcAft>
+                <a:spcPct val="0"/>
+              </a:spcAft>
+              <a:buChar char="»"/>
+              <a:defRPr kumimoji="1" sz="2000">
+                <a:solidFill>
+                  <a:schemeClr val="tx1"/>
+                </a:solidFill>
+                <a:latin typeface="Times New Roman" panose="02020603050405020304" pitchFamily="18" charset="0"/>
+                <a:ea typeface="굴림" panose="020B0600000101010101" pitchFamily="50" charset="-127"/>
+              </a:defRPr>
+            </a:lvl8pPr>
+            <a:lvl9pPr marL="3886200" indent="-228600" eaLnBrk="0" fontAlgn="base" hangingPunct="0">
+              <a:spcBef>
+                <a:spcPct val="20000"/>
+              </a:spcBef>
+              <a:spcAft>
+                <a:spcPct val="0"/>
+              </a:spcAft>
+              <a:buChar char="»"/>
+              <a:defRPr kumimoji="1" sz="2000">
+                <a:solidFill>
+                  <a:schemeClr val="tx1"/>
+                </a:solidFill>
+                <a:latin typeface="Times New Roman" panose="02020603050405020304" pitchFamily="18" charset="0"/>
+                <a:ea typeface="굴림" panose="020B0600000101010101" pitchFamily="50" charset="-127"/>
+              </a:defRPr>
+            </a:lvl9pPr>
+          </a:lstStyle>
+          <a:p>
+            <a:pPr latinLnBrk="0">
+              <a:spcBef>
+                <a:spcPct val="0"/>
+              </a:spcBef>
+              <a:buFontTx/>
+              <a:buNone/>
+            </a:pPr>
+            <a:endParaRPr kumimoji="0" lang="ko-KR" altLang="en-US" sz="2400"/>
+          </a:p>
+        </p:txBody>
+      </p:sp>
+      <p:pic>
+        <p:nvPicPr>
+          <p:cNvPr id="5" name="그림 4"/>
+          <p:cNvPicPr>
+            <a:picLocks noChangeAspect="1"/>
+          </p:cNvPicPr>
+          <p:nvPr/>
+        </p:nvPicPr>
+        <p:blipFill>
+          <a:blip r:embed="rId3"/>
+          <a:stretch>
+            <a:fillRect/>
+          </a:stretch>
+        </p:blipFill>
+        <p:spPr>
+          <a:xfrm>
+            <a:off x="1088264" y="1709590"/>
+            <a:ext cx="7259461" cy="4430860"/>
+          </a:xfrm>
+          <a:prstGeom prst="rect">
+            <a:avLst/>
+          </a:prstGeom>
+          <a:ln>
+            <a:solidFill>
+              <a:schemeClr val="tx1"/>
+            </a:solidFill>
+          </a:ln>
+        </p:spPr>
+      </p:pic>
+    </p:spTree>
+    <p:extLst>
+      <p:ext uri="{BB962C8B-B14F-4D97-AF65-F5344CB8AC3E}">
+        <p14:creationId xmlns:p14="http://schemas.microsoft.com/office/powerpoint/2010/main" val="872822488"/>
+      </p:ext>
+    </p:extLst>
+  </p:cSld>
+  <p:clrMapOvr>
+    <a:masterClrMapping/>
+  </p:clrMapOvr>
+</p:sld>
+</file>
+
+<file path=ppt/slides/slide22.xml><?xml version="1.0" encoding="utf-8"?>
+<p:sld xmlns:a="http://schemas.openxmlformats.org/drawingml/2006/main" xmlns:r="http://schemas.openxmlformats.org/officeDocument/2006/relationships" xmlns:p="http://schemas.openxmlformats.org/presentationml/2006/main">
+  <p:cSld>
+    <p:spTree>
+      <p:nvGrpSpPr>
+        <p:cNvPr id="1" name=""/>
+        <p:cNvGrpSpPr/>
+        <p:nvPr/>
+      </p:nvGrpSpPr>
+      <p:grpSpPr>
+        <a:xfrm>
+          <a:off x="0" y="0"/>
+          <a:ext cx="0" cy="0"/>
+          <a:chOff x="0" y="0"/>
+          <a:chExt cx="0" cy="0"/>
+        </a:xfrm>
+      </p:grpSpPr>
+      <p:sp>
+        <p:nvSpPr>
+          <p:cNvPr id="337922" name="Rectangle 2" descr="흰색 대리석"/>
+          <p:cNvSpPr>
+            <a:spLocks noGrp="1" noChangeArrowheads="1"/>
+          </p:cNvSpPr>
+          <p:nvPr>
+            <p:ph type="title"/>
+          </p:nvPr>
+        </p:nvSpPr>
+        <p:spPr>
+          <a:xfrm>
+            <a:off x="153988" y="157163"/>
+            <a:ext cx="7772400" cy="457200"/>
+          </a:xfrm>
+        </p:spPr>
+        <p:txBody>
+          <a:bodyPr/>
+          <a:lstStyle/>
+          <a:p>
+            <a:pPr eaLnBrk="1" hangingPunct="1">
+              <a:defRPr/>
+            </a:pPr>
+            <a:r>
+              <a:rPr lang="ko-KR" altLang="en-US" dirty="0"/>
+              <a:t>간단한 확장 모듈 예제 </a:t>
+            </a:r>
+            <a:r>
+              <a:rPr lang="en-US" altLang="ko-KR" dirty="0"/>
+              <a:t>: </a:t>
+            </a:r>
+            <a:r>
+              <a:rPr lang="ko-KR" altLang="en-US" dirty="0"/>
+              <a:t>확장</a:t>
+            </a:r>
+            <a:r>
+              <a:rPr lang="en-US" altLang="ko-KR" dirty="0"/>
+              <a:t> </a:t>
+            </a:r>
+            <a:r>
+              <a:rPr lang="ko-KR" altLang="en-US" dirty="0"/>
+              <a:t>모듈 </a:t>
+            </a:r>
+            <a:r>
+              <a:rPr lang="en-US" altLang="ko-KR" dirty="0"/>
+              <a:t>spam </a:t>
+            </a:r>
+            <a:r>
+              <a:rPr lang="ko-KR" altLang="en-US" dirty="0"/>
+              <a:t>만들기</a:t>
+            </a:r>
+            <a:endParaRPr lang="en-US" altLang="ko-KR" dirty="0"/>
+          </a:p>
+        </p:txBody>
+      </p:sp>
+      <p:sp>
+        <p:nvSpPr>
+          <p:cNvPr id="25603" name="Rectangle 33"/>
+          <p:cNvSpPr>
+            <a:spLocks noChangeArrowheads="1"/>
+          </p:cNvSpPr>
+          <p:nvPr/>
+        </p:nvSpPr>
+        <p:spPr bwMode="auto">
+          <a:xfrm>
+            <a:off x="266700" y="803275"/>
+            <a:ext cx="8767830" cy="5148263"/>
+          </a:xfrm>
+          <a:prstGeom prst="rect">
+            <a:avLst/>
+          </a:prstGeom>
+          <a:noFill/>
+          <a:ln>
+            <a:noFill/>
+          </a:ln>
+          <a:extLst>
+            <a:ext uri="{909E8E84-426E-40DD-AFC4-6F175D3DCCD1}">
+              <a14:hiddenFill xmlns:a14="http://schemas.microsoft.com/office/drawing/2010/main">
+                <a:solidFill>
+                  <a:srgbClr val="FFFFFF"/>
+                </a:solidFill>
+              </a14:hiddenFill>
+            </a:ext>
+            <a:ext uri="{91240B29-F687-4F45-9708-019B960494DF}">
+              <a14:hiddenLine xmlns:a14="http://schemas.microsoft.com/office/drawing/2010/main" w="9525">
+                <a:solidFill>
+                  <a:srgbClr val="000000"/>
+                </a:solidFill>
+                <a:miter lim="800000"/>
+                <a:headEnd/>
+                <a:tailEnd/>
+              </a14:hiddenLine>
+            </a:ext>
+          </a:extLst>
+        </p:spPr>
+        <p:txBody>
+          <a:bodyPr/>
+          <a:lstStyle>
+            <a:lvl1pPr marL="342900" indent="-342900" latinLnBrk="1">
+              <a:spcBef>
+                <a:spcPct val="20000"/>
+              </a:spcBef>
+              <a:buChar char="•"/>
+              <a:defRPr kumimoji="1" sz="3200">
+                <a:solidFill>
+                  <a:schemeClr val="tx1"/>
+                </a:solidFill>
+                <a:latin typeface="Times New Roman" panose="02020603050405020304" pitchFamily="18" charset="0"/>
+                <a:ea typeface="굴림" panose="020B0600000101010101" pitchFamily="50" charset="-127"/>
+              </a:defRPr>
+            </a:lvl1pPr>
+            <a:lvl2pPr marL="742950" indent="-285750" latinLnBrk="1">
+              <a:spcBef>
+                <a:spcPct val="20000"/>
+              </a:spcBef>
+              <a:buChar char="–"/>
+              <a:defRPr kumimoji="1" sz="2800">
+                <a:solidFill>
+                  <a:schemeClr val="tx1"/>
+                </a:solidFill>
+                <a:latin typeface="Times New Roman" panose="02020603050405020304" pitchFamily="18" charset="0"/>
+                <a:ea typeface="굴림" panose="020B0600000101010101" pitchFamily="50" charset="-127"/>
+              </a:defRPr>
+            </a:lvl2pPr>
+            <a:lvl3pPr marL="1143000" indent="-228600" latinLnBrk="1">
+              <a:spcBef>
+                <a:spcPct val="20000"/>
+              </a:spcBef>
+              <a:buChar char="•"/>
+              <a:defRPr kumimoji="1" sz="2400">
+                <a:solidFill>
+                  <a:schemeClr val="tx1"/>
+                </a:solidFill>
+                <a:latin typeface="Times New Roman" panose="02020603050405020304" pitchFamily="18" charset="0"/>
+                <a:ea typeface="굴림" panose="020B0600000101010101" pitchFamily="50" charset="-127"/>
+              </a:defRPr>
+            </a:lvl3pPr>
+            <a:lvl4pPr marL="1600200" indent="-228600" latinLnBrk="1">
+              <a:spcBef>
+                <a:spcPct val="20000"/>
+              </a:spcBef>
+              <a:buChar char="–"/>
+              <a:defRPr kumimoji="1" sz="2000">
+                <a:solidFill>
+                  <a:schemeClr val="tx1"/>
+                </a:solidFill>
+                <a:latin typeface="Times New Roman" panose="02020603050405020304" pitchFamily="18" charset="0"/>
+                <a:ea typeface="굴림" panose="020B0600000101010101" pitchFamily="50" charset="-127"/>
+              </a:defRPr>
+            </a:lvl4pPr>
+            <a:lvl5pPr marL="2057400" indent="-228600" latinLnBrk="1">
+              <a:spcBef>
+                <a:spcPct val="20000"/>
+              </a:spcBef>
+              <a:buChar char="»"/>
+              <a:defRPr kumimoji="1" sz="2000">
+                <a:solidFill>
+                  <a:schemeClr val="tx1"/>
+                </a:solidFill>
+                <a:latin typeface="Times New Roman" panose="02020603050405020304" pitchFamily="18" charset="0"/>
+                <a:ea typeface="굴림" panose="020B0600000101010101" pitchFamily="50" charset="-127"/>
+              </a:defRPr>
+            </a:lvl5pPr>
+            <a:lvl6pPr marL="2514600" indent="-228600" eaLnBrk="0" fontAlgn="base" hangingPunct="0">
+              <a:spcBef>
+                <a:spcPct val="20000"/>
+              </a:spcBef>
+              <a:spcAft>
+                <a:spcPct val="0"/>
+              </a:spcAft>
+              <a:buChar char="»"/>
+              <a:defRPr kumimoji="1" sz="2000">
+                <a:solidFill>
+                  <a:schemeClr val="tx1"/>
+                </a:solidFill>
+                <a:latin typeface="Times New Roman" panose="02020603050405020304" pitchFamily="18" charset="0"/>
+                <a:ea typeface="굴림" panose="020B0600000101010101" pitchFamily="50" charset="-127"/>
+              </a:defRPr>
+            </a:lvl6pPr>
+            <a:lvl7pPr marL="2971800" indent="-228600" eaLnBrk="0" fontAlgn="base" hangingPunct="0">
+              <a:spcBef>
+                <a:spcPct val="20000"/>
+              </a:spcBef>
+              <a:spcAft>
+                <a:spcPct val="0"/>
+              </a:spcAft>
+              <a:buChar char="»"/>
+              <a:defRPr kumimoji="1" sz="2000">
+                <a:solidFill>
+                  <a:schemeClr val="tx1"/>
+                </a:solidFill>
+                <a:latin typeface="Times New Roman" panose="02020603050405020304" pitchFamily="18" charset="0"/>
+                <a:ea typeface="굴림" panose="020B0600000101010101" pitchFamily="50" charset="-127"/>
+              </a:defRPr>
+            </a:lvl7pPr>
+            <a:lvl8pPr marL="3429000" indent="-228600" eaLnBrk="0" fontAlgn="base" hangingPunct="0">
+              <a:spcBef>
+                <a:spcPct val="20000"/>
+              </a:spcBef>
+              <a:spcAft>
+                <a:spcPct val="0"/>
+              </a:spcAft>
+              <a:buChar char="»"/>
+              <a:defRPr kumimoji="1" sz="2000">
+                <a:solidFill>
+                  <a:schemeClr val="tx1"/>
+                </a:solidFill>
+                <a:latin typeface="Times New Roman" panose="02020603050405020304" pitchFamily="18" charset="0"/>
+                <a:ea typeface="굴림" panose="020B0600000101010101" pitchFamily="50" charset="-127"/>
+              </a:defRPr>
+            </a:lvl8pPr>
+            <a:lvl9pPr marL="3886200" indent="-228600" eaLnBrk="0" fontAlgn="base" hangingPunct="0">
+              <a:spcBef>
+                <a:spcPct val="20000"/>
+              </a:spcBef>
+              <a:spcAft>
+                <a:spcPct val="0"/>
+              </a:spcAft>
+              <a:buChar char="»"/>
+              <a:defRPr kumimoji="1" sz="2000">
+                <a:solidFill>
+                  <a:schemeClr val="tx1"/>
+                </a:solidFill>
+                <a:latin typeface="Times New Roman" panose="02020603050405020304" pitchFamily="18" charset="0"/>
+                <a:ea typeface="굴림" panose="020B0600000101010101" pitchFamily="50" charset="-127"/>
+              </a:defRPr>
+            </a:lvl9pPr>
+          </a:lstStyle>
+          <a:p>
+            <a:pPr lvl="1" eaLnBrk="1" hangingPunct="1">
+              <a:buFont typeface="Wingdings" panose="05000000000000000000" pitchFamily="2" charset="2"/>
+              <a:buChar char="§"/>
+            </a:pPr>
+            <a:r>
+              <a:rPr lang="ko-KR" altLang="en-US" sz="1800" b="1" dirty="0">
+                <a:solidFill>
+                  <a:schemeClr val="accent2"/>
+                </a:solidFill>
+              </a:rPr>
+              <a:t>윈도우 </a:t>
+            </a:r>
+            <a:r>
+              <a:rPr lang="en-US" altLang="ko-KR" sz="1800" b="1" dirty="0">
+                <a:solidFill>
+                  <a:schemeClr val="accent2"/>
+                </a:solidFill>
+              </a:rPr>
+              <a:t>visual studio</a:t>
+            </a:r>
+            <a:r>
+              <a:rPr lang="ko-KR" altLang="en-US" sz="1800" b="1" dirty="0">
+                <a:solidFill>
+                  <a:schemeClr val="accent2"/>
+                </a:solidFill>
+              </a:rPr>
+              <a:t>에서 빌드</a:t>
+            </a:r>
+            <a:endParaRPr lang="en-US" altLang="ko-KR" sz="1800" b="1" dirty="0">
+              <a:solidFill>
+                <a:schemeClr val="accent2"/>
+              </a:solidFill>
+            </a:endParaRPr>
+          </a:p>
+          <a:p>
+            <a:pPr lvl="1" eaLnBrk="1" hangingPunct="1">
+              <a:buFont typeface="Wingdings" panose="05000000000000000000" pitchFamily="2" charset="2"/>
+              <a:buChar char="§"/>
+            </a:pPr>
+            <a:r>
+              <a:rPr lang="en-US" altLang="ko-KR" sz="1800" b="1" dirty="0">
+                <a:solidFill>
+                  <a:schemeClr val="accent2"/>
+                </a:solidFill>
+              </a:rPr>
+              <a:t>9. </a:t>
+            </a:r>
+            <a:r>
+              <a:rPr lang="ko-KR" altLang="en-US" sz="1800" b="1" dirty="0">
+                <a:solidFill>
+                  <a:schemeClr val="accent2"/>
+                </a:solidFill>
+              </a:rPr>
+              <a:t>빌드 </a:t>
+            </a:r>
+            <a:r>
+              <a:rPr lang="en-US" altLang="ko-KR" sz="1800" b="1" dirty="0">
+                <a:solidFill>
+                  <a:schemeClr val="accent2"/>
+                </a:solidFill>
+                <a:sym typeface="Wingdings" panose="05000000000000000000" pitchFamily="2" charset="2"/>
+              </a:rPr>
+              <a:t> </a:t>
+            </a:r>
+            <a:r>
+              <a:rPr lang="ko-KR" altLang="en-US" sz="1800" b="1" dirty="0">
+                <a:solidFill>
+                  <a:schemeClr val="accent2"/>
+                </a:solidFill>
+                <a:sym typeface="Wingdings" panose="05000000000000000000" pitchFamily="2" charset="2"/>
+              </a:rPr>
+              <a:t>솔루션 빌드 수행</a:t>
+            </a:r>
+            <a:endParaRPr lang="en-US" altLang="ko-KR" sz="1800" b="1" dirty="0">
+              <a:solidFill>
+                <a:schemeClr val="accent2"/>
+              </a:solidFill>
+            </a:endParaRPr>
+          </a:p>
+        </p:txBody>
+      </p:sp>
+      <p:sp>
+        <p:nvSpPr>
+          <p:cNvPr id="8" name="슬라이드 번호 개체 틀 7"/>
+          <p:cNvSpPr>
+            <a:spLocks noGrp="1"/>
+          </p:cNvSpPr>
+          <p:nvPr>
+            <p:ph type="sldNum" sz="quarter" idx="10"/>
+          </p:nvPr>
+        </p:nvSpPr>
+        <p:spPr/>
+        <p:txBody>
+          <a:bodyPr/>
+          <a:lstStyle>
+            <a:lvl1pPr eaLnBrk="0" hangingPunct="0">
+              <a:defRPr kumimoji="1" sz="2400">
+                <a:solidFill>
+                  <a:schemeClr val="tx1"/>
+                </a:solidFill>
+                <a:latin typeface="Times New Roman" panose="02020603050405020304" pitchFamily="18" charset="0"/>
+                <a:ea typeface="굴림" panose="020B0600000101010101" pitchFamily="50" charset="-127"/>
+              </a:defRPr>
+            </a:lvl1pPr>
+            <a:lvl2pPr marL="742950" indent="-285750" eaLnBrk="0" hangingPunct="0">
+              <a:defRPr kumimoji="1" sz="2400">
+                <a:solidFill>
+                  <a:schemeClr val="tx1"/>
+                </a:solidFill>
+                <a:latin typeface="Times New Roman" panose="02020603050405020304" pitchFamily="18" charset="0"/>
+                <a:ea typeface="굴림" panose="020B0600000101010101" pitchFamily="50" charset="-127"/>
+              </a:defRPr>
+            </a:lvl2pPr>
+            <a:lvl3pPr marL="1143000" indent="-228600" eaLnBrk="0" hangingPunct="0">
+              <a:defRPr kumimoji="1" sz="2400">
+                <a:solidFill>
+                  <a:schemeClr val="tx1"/>
+                </a:solidFill>
+                <a:latin typeface="Times New Roman" panose="02020603050405020304" pitchFamily="18" charset="0"/>
+                <a:ea typeface="굴림" panose="020B0600000101010101" pitchFamily="50" charset="-127"/>
+              </a:defRPr>
+            </a:lvl3pPr>
+            <a:lvl4pPr marL="1600200" indent="-228600" eaLnBrk="0" hangingPunct="0">
+              <a:defRPr kumimoji="1" sz="2400">
+                <a:solidFill>
+                  <a:schemeClr val="tx1"/>
+                </a:solidFill>
+                <a:latin typeface="Times New Roman" panose="02020603050405020304" pitchFamily="18" charset="0"/>
+                <a:ea typeface="굴림" panose="020B0600000101010101" pitchFamily="50" charset="-127"/>
+              </a:defRPr>
+            </a:lvl4pPr>
+            <a:lvl5pPr marL="2057400" indent="-228600" eaLnBrk="0" hangingPunct="0">
+              <a:defRPr kumimoji="1" sz="2400">
+                <a:solidFill>
+                  <a:schemeClr val="tx1"/>
+                </a:solidFill>
+                <a:latin typeface="Times New Roman" panose="02020603050405020304" pitchFamily="18" charset="0"/>
+                <a:ea typeface="굴림" panose="020B0600000101010101" pitchFamily="50" charset="-127"/>
+              </a:defRPr>
+            </a:lvl5pPr>
+            <a:lvl6pPr marL="2514600" indent="-228600" eaLnBrk="0" fontAlgn="base" hangingPunct="0">
+              <a:spcBef>
+                <a:spcPct val="0"/>
+              </a:spcBef>
+              <a:spcAft>
+                <a:spcPct val="0"/>
+              </a:spcAft>
+              <a:defRPr kumimoji="1" sz="2400">
+                <a:solidFill>
+                  <a:schemeClr val="tx1"/>
+                </a:solidFill>
+                <a:latin typeface="Times New Roman" panose="02020603050405020304" pitchFamily="18" charset="0"/>
+                <a:ea typeface="굴림" panose="020B0600000101010101" pitchFamily="50" charset="-127"/>
+              </a:defRPr>
+            </a:lvl6pPr>
+            <a:lvl7pPr marL="2971800" indent="-228600" eaLnBrk="0" fontAlgn="base" hangingPunct="0">
+              <a:spcBef>
+                <a:spcPct val="0"/>
+              </a:spcBef>
+              <a:spcAft>
+                <a:spcPct val="0"/>
+              </a:spcAft>
+              <a:defRPr kumimoji="1" sz="2400">
+                <a:solidFill>
+                  <a:schemeClr val="tx1"/>
+                </a:solidFill>
+                <a:latin typeface="Times New Roman" panose="02020603050405020304" pitchFamily="18" charset="0"/>
+                <a:ea typeface="굴림" panose="020B0600000101010101" pitchFamily="50" charset="-127"/>
+              </a:defRPr>
+            </a:lvl7pPr>
+            <a:lvl8pPr marL="3429000" indent="-228600" eaLnBrk="0" fontAlgn="base" hangingPunct="0">
+              <a:spcBef>
+                <a:spcPct val="0"/>
+              </a:spcBef>
+              <a:spcAft>
+                <a:spcPct val="0"/>
+              </a:spcAft>
+              <a:defRPr kumimoji="1" sz="2400">
+                <a:solidFill>
+                  <a:schemeClr val="tx1"/>
+                </a:solidFill>
+                <a:latin typeface="Times New Roman" panose="02020603050405020304" pitchFamily="18" charset="0"/>
+                <a:ea typeface="굴림" panose="020B0600000101010101" pitchFamily="50" charset="-127"/>
+              </a:defRPr>
+            </a:lvl8pPr>
+            <a:lvl9pPr marL="3886200" indent="-228600" eaLnBrk="0" fontAlgn="base" hangingPunct="0">
+              <a:spcBef>
+                <a:spcPct val="0"/>
+              </a:spcBef>
+              <a:spcAft>
+                <a:spcPct val="0"/>
+              </a:spcAft>
+              <a:defRPr kumimoji="1" sz="2400">
+                <a:solidFill>
+                  <a:schemeClr val="tx1"/>
+                </a:solidFill>
+                <a:latin typeface="Times New Roman" panose="02020603050405020304" pitchFamily="18" charset="0"/>
+                <a:ea typeface="굴림" panose="020B0600000101010101" pitchFamily="50" charset="-127"/>
+              </a:defRPr>
+            </a:lvl9pPr>
+          </a:lstStyle>
+          <a:p>
+            <a:pPr eaLnBrk="1" hangingPunct="1">
+              <a:defRPr/>
+            </a:pPr>
+            <a:r>
+              <a:rPr lang="en-US" altLang="ko-KR" sz="1200" dirty="0"/>
+              <a:t> 9-</a:t>
+            </a:r>
+            <a:fld id="{E543E660-5BD7-4DE8-B2D5-3B53773227AF}" type="slidenum">
+              <a:rPr lang="en-US" altLang="ko-KR" sz="1200" smtClean="0">
+                <a:effectLst>
+                  <a:outerShdw blurRad="38100" dist="38100" dir="2700000" algn="tl">
+                    <a:srgbClr val="C0C0C0"/>
+                  </a:outerShdw>
+                </a:effectLst>
+              </a:rPr>
+              <a:pPr eaLnBrk="1" hangingPunct="1">
+                <a:defRPr/>
+              </a:pPr>
+              <a:t>22</a:t>
             </a:fld>
             <a:endParaRPr lang="en-US" altLang="ko-KR" sz="1400" dirty="0"/>
           </a:p>
@@ -19691,7 +21765,7 @@
 </p:sld>
 </file>
 
-<file path=ppt/slides/slide21.xml><?xml version="1.0" encoding="utf-8"?>
+<file path=ppt/slides/slide23.xml><?xml version="1.0" encoding="utf-8"?>
 <p:sld xmlns:a="http://schemas.openxmlformats.org/drawingml/2006/main" xmlns:r="http://schemas.openxmlformats.org/officeDocument/2006/relationships" xmlns:p="http://schemas.openxmlformats.org/presentationml/2006/main">
   <p:cSld>
     <p:spTree>
@@ -20184,7 +22258,7 @@
               <a:pPr eaLnBrk="1" hangingPunct="1">
                 <a:defRPr/>
               </a:pPr>
-              <a:t>21</a:t>
+              <a:t>23</a:t>
             </a:fld>
             <a:endParaRPr lang="en-US" altLang="ko-KR" sz="1400" dirty="0"/>
           </a:p>
